--- a/LWalsh_FinalProjectSlides.pptx
+++ b/LWalsh_FinalProjectSlides.pptx
@@ -5,15 +5,24 @@
     <p:sldMasterId id="2147483648" r:id="rId1"/>
   </p:sldMasterIdLst>
   <p:notesMasterIdLst>
-    <p:notesMasterId r:id="rId5"/>
+    <p:notesMasterId r:id="rId14"/>
   </p:notesMasterIdLst>
   <p:handoutMasterIdLst>
-    <p:handoutMasterId r:id="rId6"/>
+    <p:handoutMasterId r:id="rId15"/>
   </p:handoutMasterIdLst>
   <p:sldIdLst>
     <p:sldId id="256" r:id="rId2"/>
     <p:sldId id="420" r:id="rId3"/>
-    <p:sldId id="419" r:id="rId4"/>
+    <p:sldId id="421" r:id="rId4"/>
+    <p:sldId id="422" r:id="rId5"/>
+    <p:sldId id="424" r:id="rId6"/>
+    <p:sldId id="425" r:id="rId7"/>
+    <p:sldId id="426" r:id="rId8"/>
+    <p:sldId id="427" r:id="rId9"/>
+    <p:sldId id="428" r:id="rId10"/>
+    <p:sldId id="429" r:id="rId11"/>
+    <p:sldId id="430" r:id="rId12"/>
+    <p:sldId id="419" r:id="rId13"/>
   </p:sldIdLst>
   <p:sldSz cx="9144000" cy="6858000" type="screen4x3"/>
   <p:notesSz cx="6858000" cy="9144000"/>
@@ -255,7 +264,7 @@
               <a:pPr>
                 <a:defRPr/>
               </a:pPr>
-              <a:t>5/4/2016</a:t>
+              <a:t>5/9/2016</a:t>
             </a:fld>
             <a:endParaRPr lang="en-US"/>
           </a:p>
@@ -457,7 +466,7 @@
               <a:pPr>
                 <a:defRPr/>
               </a:pPr>
-              <a:t>5/4/2016</a:t>
+              <a:t>5/9/2016</a:t>
             </a:fld>
             <a:endParaRPr lang="en-US"/>
           </a:p>
@@ -1135,7 +1144,7 @@
               <a:pPr>
                 <a:defRPr/>
               </a:pPr>
-              <a:t>5/4/2016</a:t>
+              <a:t>5/9/2016</a:t>
             </a:fld>
             <a:endParaRPr lang="en-US"/>
           </a:p>
@@ -1335,7 +1344,7 @@
               <a:pPr>
                 <a:defRPr/>
               </a:pPr>
-              <a:t>5/4/2016</a:t>
+              <a:t>5/9/2016</a:t>
             </a:fld>
             <a:endParaRPr lang="en-US"/>
           </a:p>
@@ -1545,7 +1554,7 @@
               <a:pPr>
                 <a:defRPr/>
               </a:pPr>
-              <a:t>5/4/2016</a:t>
+              <a:t>5/9/2016</a:t>
             </a:fld>
             <a:endParaRPr lang="en-US"/>
           </a:p>
@@ -1926,7 +1935,7 @@
               <a:pPr>
                 <a:defRPr/>
               </a:pPr>
-              <a:t>5/4/2016</a:t>
+              <a:t>5/9/2016</a:t>
             </a:fld>
             <a:endParaRPr lang="en-US"/>
           </a:p>
@@ -2177,7 +2186,7 @@
               <a:pPr>
                 <a:defRPr/>
               </a:pPr>
-              <a:t>5/4/2016</a:t>
+              <a:t>5/9/2016</a:t>
             </a:fld>
             <a:endParaRPr lang="en-US"/>
           </a:p>
@@ -2453,7 +2462,7 @@
               <a:pPr>
                 <a:defRPr/>
               </a:pPr>
-              <a:t>5/4/2016</a:t>
+              <a:t>5/9/2016</a:t>
             </a:fld>
             <a:endParaRPr lang="en-US"/>
           </a:p>
@@ -2771,7 +2780,7 @@
               <a:pPr>
                 <a:defRPr/>
               </a:pPr>
-              <a:t>5/4/2016</a:t>
+              <a:t>5/9/2016</a:t>
             </a:fld>
             <a:endParaRPr lang="en-US"/>
           </a:p>
@@ -3223,7 +3232,7 @@
               <a:pPr>
                 <a:defRPr/>
               </a:pPr>
-              <a:t>5/4/2016</a:t>
+              <a:t>5/9/2016</a:t>
             </a:fld>
             <a:endParaRPr lang="en-US"/>
           </a:p>
@@ -3371,7 +3380,7 @@
               <a:pPr>
                 <a:defRPr/>
               </a:pPr>
-              <a:t>5/4/2016</a:t>
+              <a:t>5/9/2016</a:t>
             </a:fld>
             <a:endParaRPr lang="en-US"/>
           </a:p>
@@ -3496,7 +3505,7 @@
               <a:pPr>
                 <a:defRPr/>
               </a:pPr>
-              <a:t>5/4/2016</a:t>
+              <a:t>5/9/2016</a:t>
             </a:fld>
             <a:endParaRPr lang="en-US"/>
           </a:p>
@@ -3803,7 +3812,7 @@
               <a:pPr>
                 <a:defRPr/>
               </a:pPr>
-              <a:t>5/4/2016</a:t>
+              <a:t>5/9/2016</a:t>
             </a:fld>
             <a:endParaRPr lang="en-US"/>
           </a:p>
@@ -4089,7 +4098,7 @@
               <a:pPr>
                 <a:defRPr/>
               </a:pPr>
-              <a:t>5/4/2016</a:t>
+              <a:t>5/9/2016</a:t>
             </a:fld>
             <a:endParaRPr lang="en-US"/>
           </a:p>
@@ -4387,7 +4396,7 @@
               <a:pPr>
                 <a:defRPr/>
               </a:pPr>
-              <a:t>5/4/2016</a:t>
+              <a:t>5/9/2016</a:t>
             </a:fld>
             <a:endParaRPr lang="en-US"/>
           </a:p>
@@ -4989,11 +4998,7 @@
             </a:br>
             <a:r>
               <a:rPr lang="en-US" altLang="en-US" sz="3200" dirty="0" err="1" smtClean="0"/>
-              <a:t>Py</a:t>
-            </a:r>
-            <a:r>
-              <a:rPr lang="en-US" altLang="en-US" sz="3200" dirty="0" err="1" smtClean="0"/>
-              <a:t>Spark</a:t>
+              <a:t>PySpark</a:t>
             </a:r>
             <a:r>
               <a:rPr lang="en-US" altLang="en-US" sz="3200" dirty="0" smtClean="0"/>
@@ -5058,25 +5063,8 @@
                   </a:schemeClr>
                 </a:solidFill>
               </a:rPr>
-              <a:t>Walsh</a:t>
-            </a:r>
-            <a:r>
-              <a:rPr lang="en-US" sz="2400" dirty="0" smtClean="0">
-                <a:solidFill>
-                  <a:schemeClr val="tx2">
-                    <a:lumMod val="75000"/>
-                  </a:schemeClr>
-                </a:solidFill>
-              </a:rPr>
-              <a:t>, Luke</a:t>
-            </a:r>
-            <a:endParaRPr lang="en-US" sz="2400" dirty="0" smtClean="0">
-              <a:solidFill>
-                <a:schemeClr val="tx2">
-                  <a:lumMod val="75000"/>
-                </a:schemeClr>
-              </a:solidFill>
-            </a:endParaRPr>
+              <a:t>Walsh, Luke</a:t>
+            </a:r>
           </a:p>
           <a:p>
             <a:pPr eaLnBrk="1" hangingPunct="1">
@@ -5276,13 +5264,18 @@
               <a:buNone/>
             </a:pPr>
             <a:r>
-              <a:rPr lang="en-US" altLang="en-US" sz="1200" smtClean="0">
+              <a:rPr lang="en-US" altLang="en-US" sz="1200" dirty="0" smtClean="0">
                 <a:solidFill>
                   <a:srgbClr val="898989"/>
                 </a:solidFill>
               </a:rPr>
-              <a:t>@Your Name</a:t>
-            </a:r>
+              <a:t>Luke Walsh</a:t>
+            </a:r>
+            <a:endParaRPr lang="en-US" altLang="en-US" sz="1200" dirty="0" smtClean="0">
+              <a:solidFill>
+                <a:srgbClr val="898989"/>
+              </a:solidFill>
+            </a:endParaRPr>
           </a:p>
         </p:txBody>
       </p:sp>
@@ -5739,6 +5732,1047 @@
 </p:sld>
 </file>
 
+<file path=ppt/slides/slide10.xml><?xml version="1.0" encoding="utf-8"?>
+<p:sld xmlns:a="http://schemas.openxmlformats.org/drawingml/2006/main" xmlns:r="http://schemas.openxmlformats.org/officeDocument/2006/relationships" xmlns:p="http://schemas.openxmlformats.org/presentationml/2006/main">
+  <p:cSld>
+    <p:spTree>
+      <p:nvGrpSpPr>
+        <p:cNvPr id="1" name=""/>
+        <p:cNvGrpSpPr/>
+        <p:nvPr/>
+      </p:nvGrpSpPr>
+      <p:grpSpPr>
+        <a:xfrm>
+          <a:off x="0" y="0"/>
+          <a:ext cx="0" cy="0"/>
+          <a:chOff x="0" y="0"/>
+          <a:chExt cx="0" cy="0"/>
+        </a:xfrm>
+      </p:grpSpPr>
+      <p:sp>
+        <p:nvSpPr>
+          <p:cNvPr id="6" name="Title 5"/>
+          <p:cNvSpPr>
+            <a:spLocks noGrp="1"/>
+          </p:cNvSpPr>
+          <p:nvPr>
+            <p:ph type="title"/>
+          </p:nvPr>
+        </p:nvSpPr>
+        <p:spPr/>
+        <p:txBody>
+          <a:bodyPr>
+            <a:normAutofit/>
+          </a:bodyPr>
+          <a:lstStyle/>
+          <a:p>
+            <a:pPr marL="457200" lvl="1"/>
+            <a:r>
+              <a:rPr lang="en-US" sz="3200" kern="1200" dirty="0" smtClean="0">
+                <a:solidFill>
+                  <a:srgbClr val="0070C0"/>
+                </a:solidFill>
+                <a:latin typeface="+mj-lt"/>
+                <a:ea typeface="+mj-ea"/>
+                <a:cs typeface="+mj-cs"/>
+              </a:rPr>
+              <a:t>4. Visualize</a:t>
+            </a:r>
+            <a:endParaRPr lang="en-US" sz="3200" kern="1200" dirty="0">
+              <a:solidFill>
+                <a:srgbClr val="0070C0"/>
+              </a:solidFill>
+              <a:latin typeface="+mj-lt"/>
+              <a:ea typeface="+mj-ea"/>
+              <a:cs typeface="+mj-cs"/>
+            </a:endParaRPr>
+          </a:p>
+        </p:txBody>
+      </p:sp>
+      <p:sp>
+        <p:nvSpPr>
+          <p:cNvPr id="7" name="Content Placeholder 6"/>
+          <p:cNvSpPr>
+            <a:spLocks noGrp="1"/>
+          </p:cNvSpPr>
+          <p:nvPr>
+            <p:ph idx="1"/>
+          </p:nvPr>
+        </p:nvSpPr>
+        <p:spPr/>
+        <p:txBody>
+          <a:bodyPr/>
+          <a:lstStyle/>
+          <a:p>
+            <a:r>
+              <a:rPr lang="en-US" dirty="0" smtClean="0"/>
+              <a:t>Use standard D3.js library to produce trend graphs (nothing fancy)</a:t>
+            </a:r>
+          </a:p>
+          <a:p>
+            <a:r>
+              <a:rPr lang="en-US" dirty="0" smtClean="0"/>
+              <a:t>But! Potential for many other interesting visualizations</a:t>
+            </a:r>
+          </a:p>
+          <a:p>
+            <a:pPr lvl="1"/>
+            <a:r>
+              <a:rPr lang="en-US" dirty="0" smtClean="0"/>
+              <a:t>Ex: using Tweets’ location data to plot where the Tweet happened</a:t>
+            </a:r>
+          </a:p>
+          <a:p>
+            <a:pPr lvl="1"/>
+            <a:r>
+              <a:rPr lang="en-US" dirty="0" smtClean="0"/>
+              <a:t>Combined with sentiment analysis we could see how different regions feel about a subject on Twitter</a:t>
+            </a:r>
+          </a:p>
+          <a:p>
+            <a:endParaRPr lang="en-US" dirty="0" smtClean="0"/>
+          </a:p>
+        </p:txBody>
+      </p:sp>
+      <p:sp>
+        <p:nvSpPr>
+          <p:cNvPr id="4100" name="Footer Placeholder 3"/>
+          <p:cNvSpPr>
+            <a:spLocks noGrp="1"/>
+          </p:cNvSpPr>
+          <p:nvPr>
+            <p:ph type="ftr" sz="quarter" idx="11"/>
+          </p:nvPr>
+        </p:nvSpPr>
+        <p:spPr bwMode="auto">
+          <a:noFill/>
+          <a:extLst>
+            <a:ext uri="{909E8E84-426E-40DD-AFC4-6F175D3DCCD1}">
+              <a14:hiddenFill xmlns:a14="http://schemas.microsoft.com/office/drawing/2010/main">
+                <a:solidFill>
+                  <a:srgbClr val="FFFFFF"/>
+                </a:solidFill>
+              </a14:hiddenFill>
+            </a:ext>
+            <a:ext uri="{91240B29-F687-4F45-9708-019B960494DF}">
+              <a14:hiddenLine xmlns:a14="http://schemas.microsoft.com/office/drawing/2010/main" w="9525">
+                <a:solidFill>
+                  <a:srgbClr val="000000"/>
+                </a:solidFill>
+                <a:miter lim="800000"/>
+                <a:headEnd/>
+                <a:tailEnd/>
+              </a14:hiddenLine>
+            </a:ext>
+          </a:extLst>
+        </p:spPr>
+        <p:txBody>
+          <a:bodyPr/>
+          <a:lstStyle>
+            <a:lvl1pPr eaLnBrk="0" hangingPunct="0">
+              <a:spcBef>
+                <a:spcPct val="20000"/>
+              </a:spcBef>
+              <a:buClr>
+                <a:schemeClr val="hlink"/>
+              </a:buClr>
+              <a:buFont typeface="Wingdings" pitchFamily="2" charset="2"/>
+              <a:buChar char="§"/>
+              <a:defRPr sz="2800">
+                <a:solidFill>
+                  <a:schemeClr val="tx1"/>
+                </a:solidFill>
+                <a:latin typeface="Calibri" pitchFamily="34" charset="0"/>
+              </a:defRPr>
+            </a:lvl1pPr>
+            <a:lvl2pPr marL="742950" indent="-285750" eaLnBrk="0" hangingPunct="0">
+              <a:spcBef>
+                <a:spcPct val="20000"/>
+              </a:spcBef>
+              <a:buClr>
+                <a:srgbClr val="FF0000"/>
+              </a:buClr>
+              <a:buFont typeface="Wingdings" pitchFamily="2" charset="2"/>
+              <a:buChar char="§"/>
+              <a:defRPr sz="2400">
+                <a:solidFill>
+                  <a:schemeClr val="tx1"/>
+                </a:solidFill>
+                <a:latin typeface="Calibri" pitchFamily="34" charset="0"/>
+              </a:defRPr>
+            </a:lvl2pPr>
+            <a:lvl3pPr marL="1143000" indent="-228600" eaLnBrk="0" hangingPunct="0">
+              <a:spcBef>
+                <a:spcPct val="20000"/>
+              </a:spcBef>
+              <a:buClr>
+                <a:srgbClr val="00CC00"/>
+              </a:buClr>
+              <a:buFont typeface="Wingdings" pitchFamily="2" charset="2"/>
+              <a:buChar char="§"/>
+              <a:defRPr sz="2000">
+                <a:solidFill>
+                  <a:schemeClr val="tx1"/>
+                </a:solidFill>
+                <a:latin typeface="Calibri" pitchFamily="34" charset="0"/>
+              </a:defRPr>
+            </a:lvl3pPr>
+            <a:lvl4pPr marL="1600200" indent="-228600" eaLnBrk="0" hangingPunct="0">
+              <a:spcBef>
+                <a:spcPct val="20000"/>
+              </a:spcBef>
+              <a:buFont typeface="Arial" charset="0"/>
+              <a:buChar char="–"/>
+              <a:defRPr sz="2000">
+                <a:solidFill>
+                  <a:schemeClr val="tx1"/>
+                </a:solidFill>
+                <a:latin typeface="Calibri" pitchFamily="34" charset="0"/>
+              </a:defRPr>
+            </a:lvl4pPr>
+            <a:lvl5pPr marL="2057400" indent="-228600" eaLnBrk="0" hangingPunct="0">
+              <a:spcBef>
+                <a:spcPct val="20000"/>
+              </a:spcBef>
+              <a:buFont typeface="Arial" charset="0"/>
+              <a:buChar char="»"/>
+              <a:defRPr sz="2000">
+                <a:solidFill>
+                  <a:schemeClr val="tx1"/>
+                </a:solidFill>
+                <a:latin typeface="Calibri" pitchFamily="34" charset="0"/>
+              </a:defRPr>
+            </a:lvl5pPr>
+            <a:lvl6pPr marL="2514600" indent="-228600" eaLnBrk="0" fontAlgn="base" hangingPunct="0">
+              <a:spcBef>
+                <a:spcPct val="20000"/>
+              </a:spcBef>
+              <a:spcAft>
+                <a:spcPct val="0"/>
+              </a:spcAft>
+              <a:buFont typeface="Arial" charset="0"/>
+              <a:buChar char="»"/>
+              <a:defRPr sz="2000">
+                <a:solidFill>
+                  <a:schemeClr val="tx1"/>
+                </a:solidFill>
+                <a:latin typeface="Calibri" pitchFamily="34" charset="0"/>
+              </a:defRPr>
+            </a:lvl6pPr>
+            <a:lvl7pPr marL="2971800" indent="-228600" eaLnBrk="0" fontAlgn="base" hangingPunct="0">
+              <a:spcBef>
+                <a:spcPct val="20000"/>
+              </a:spcBef>
+              <a:spcAft>
+                <a:spcPct val="0"/>
+              </a:spcAft>
+              <a:buFont typeface="Arial" charset="0"/>
+              <a:buChar char="»"/>
+              <a:defRPr sz="2000">
+                <a:solidFill>
+                  <a:schemeClr val="tx1"/>
+                </a:solidFill>
+                <a:latin typeface="Calibri" pitchFamily="34" charset="0"/>
+              </a:defRPr>
+            </a:lvl7pPr>
+            <a:lvl8pPr marL="3429000" indent="-228600" eaLnBrk="0" fontAlgn="base" hangingPunct="0">
+              <a:spcBef>
+                <a:spcPct val="20000"/>
+              </a:spcBef>
+              <a:spcAft>
+                <a:spcPct val="0"/>
+              </a:spcAft>
+              <a:buFont typeface="Arial" charset="0"/>
+              <a:buChar char="»"/>
+              <a:defRPr sz="2000">
+                <a:solidFill>
+                  <a:schemeClr val="tx1"/>
+                </a:solidFill>
+                <a:latin typeface="Calibri" pitchFamily="34" charset="0"/>
+              </a:defRPr>
+            </a:lvl8pPr>
+            <a:lvl9pPr marL="3886200" indent="-228600" eaLnBrk="0" fontAlgn="base" hangingPunct="0">
+              <a:spcBef>
+                <a:spcPct val="20000"/>
+              </a:spcBef>
+              <a:spcAft>
+                <a:spcPct val="0"/>
+              </a:spcAft>
+              <a:buFont typeface="Arial" charset="0"/>
+              <a:buChar char="»"/>
+              <a:defRPr sz="2000">
+                <a:solidFill>
+                  <a:schemeClr val="tx1"/>
+                </a:solidFill>
+                <a:latin typeface="Calibri" pitchFamily="34" charset="0"/>
+              </a:defRPr>
+            </a:lvl9pPr>
+          </a:lstStyle>
+          <a:p>
+            <a:pPr eaLnBrk="1" hangingPunct="1">
+              <a:spcBef>
+                <a:spcPct val="0"/>
+              </a:spcBef>
+              <a:buClrTx/>
+              <a:buFontTx/>
+              <a:buNone/>
+            </a:pPr>
+            <a:r>
+              <a:rPr lang="en-US" altLang="en-US" sz="1200" dirty="0" smtClean="0">
+                <a:solidFill>
+                  <a:srgbClr val="898989"/>
+                </a:solidFill>
+              </a:rPr>
+              <a:t>Luke Walsh</a:t>
+            </a:r>
+            <a:endParaRPr lang="en-US" altLang="en-US" sz="1200" dirty="0" smtClean="0">
+              <a:solidFill>
+                <a:srgbClr val="898989"/>
+              </a:solidFill>
+            </a:endParaRPr>
+          </a:p>
+        </p:txBody>
+      </p:sp>
+      <p:sp>
+        <p:nvSpPr>
+          <p:cNvPr id="5" name="Slide Number Placeholder 4"/>
+          <p:cNvSpPr>
+            <a:spLocks noGrp="1"/>
+          </p:cNvSpPr>
+          <p:nvPr>
+            <p:ph type="sldNum" sz="quarter" idx="12"/>
+          </p:nvPr>
+        </p:nvSpPr>
+        <p:spPr/>
+        <p:txBody>
+          <a:bodyPr/>
+          <a:lstStyle/>
+          <a:p>
+            <a:pPr>
+              <a:defRPr/>
+            </a:pPr>
+            <a:fld id="{76E1BF35-675D-491F-A687-B2C9BE79DFC7}" type="slidenum">
+              <a:rPr lang="en-US" smtClean="0"/>
+              <a:pPr>
+                <a:defRPr/>
+              </a:pPr>
+              <a:t>10</a:t>
+            </a:fld>
+            <a:endParaRPr lang="en-US" dirty="0"/>
+          </a:p>
+        </p:txBody>
+      </p:sp>
+    </p:spTree>
+    <p:extLst>
+      <p:ext uri="{BB962C8B-B14F-4D97-AF65-F5344CB8AC3E}">
+        <p14:creationId xmlns:p14="http://schemas.microsoft.com/office/powerpoint/2010/main" val="1617195649"/>
+      </p:ext>
+    </p:extLst>
+  </p:cSld>
+  <p:clrMapOvr>
+    <a:masterClrMapping/>
+  </p:clrMapOvr>
+</p:sld>
+</file>
+
+<file path=ppt/slides/slide11.xml><?xml version="1.0" encoding="utf-8"?>
+<p:sld xmlns:a="http://schemas.openxmlformats.org/drawingml/2006/main" xmlns:r="http://schemas.openxmlformats.org/officeDocument/2006/relationships" xmlns:p="http://schemas.openxmlformats.org/presentationml/2006/main">
+  <p:cSld>
+    <p:spTree>
+      <p:nvGrpSpPr>
+        <p:cNvPr id="1" name=""/>
+        <p:cNvGrpSpPr/>
+        <p:nvPr/>
+      </p:nvGrpSpPr>
+      <p:grpSpPr>
+        <a:xfrm>
+          <a:off x="0" y="0"/>
+          <a:ext cx="0" cy="0"/>
+          <a:chOff x="0" y="0"/>
+          <a:chExt cx="0" cy="0"/>
+        </a:xfrm>
+      </p:grpSpPr>
+      <p:sp>
+        <p:nvSpPr>
+          <p:cNvPr id="6" name="Title 5"/>
+          <p:cNvSpPr>
+            <a:spLocks noGrp="1"/>
+          </p:cNvSpPr>
+          <p:nvPr>
+            <p:ph type="title"/>
+          </p:nvPr>
+        </p:nvSpPr>
+        <p:spPr/>
+        <p:txBody>
+          <a:bodyPr>
+            <a:normAutofit/>
+          </a:bodyPr>
+          <a:lstStyle/>
+          <a:p>
+            <a:pPr marL="457200" lvl="1"/>
+            <a:r>
+              <a:rPr lang="en-US" sz="3200" kern="1200" dirty="0" smtClean="0">
+                <a:solidFill>
+                  <a:srgbClr val="0070C0"/>
+                </a:solidFill>
+                <a:latin typeface="+mj-lt"/>
+                <a:ea typeface="+mj-ea"/>
+                <a:cs typeface="+mj-cs"/>
+              </a:rPr>
+              <a:t>Pros vs. Cons</a:t>
+            </a:r>
+            <a:endParaRPr lang="en-US" sz="3200" kern="1200" dirty="0">
+              <a:solidFill>
+                <a:srgbClr val="0070C0"/>
+              </a:solidFill>
+              <a:latin typeface="+mj-lt"/>
+              <a:ea typeface="+mj-ea"/>
+              <a:cs typeface="+mj-cs"/>
+            </a:endParaRPr>
+          </a:p>
+        </p:txBody>
+      </p:sp>
+      <p:sp>
+        <p:nvSpPr>
+          <p:cNvPr id="7" name="Content Placeholder 6"/>
+          <p:cNvSpPr>
+            <a:spLocks noGrp="1"/>
+          </p:cNvSpPr>
+          <p:nvPr>
+            <p:ph idx="1"/>
+          </p:nvPr>
+        </p:nvSpPr>
+        <p:spPr/>
+        <p:txBody>
+          <a:bodyPr/>
+          <a:lstStyle/>
+          <a:p>
+            <a:r>
+              <a:rPr lang="en-US" dirty="0" smtClean="0"/>
+              <a:t>Pros:</a:t>
+            </a:r>
+          </a:p>
+          <a:p>
+            <a:pPr lvl="1"/>
+            <a:r>
+              <a:rPr lang="en-US" dirty="0" smtClean="0"/>
+              <a:t>Spark has very fast batch processing compared to something like Hadoop due to in memory computations</a:t>
+            </a:r>
+          </a:p>
+          <a:p>
+            <a:pPr lvl="1"/>
+            <a:r>
+              <a:rPr lang="en-US" dirty="0" smtClean="0"/>
+              <a:t>Spark is well suited for streaming applications and is scalable</a:t>
+            </a:r>
+          </a:p>
+          <a:p>
+            <a:pPr lvl="1"/>
+            <a:r>
+              <a:rPr lang="en-US" dirty="0" smtClean="0"/>
+              <a:t>Python </a:t>
+            </a:r>
+            <a:r>
+              <a:rPr lang="en-US" dirty="0" err="1" smtClean="0"/>
+              <a:t>NLTK</a:t>
+            </a:r>
+            <a:r>
+              <a:rPr lang="en-US" dirty="0" smtClean="0"/>
+              <a:t> library has many built-in tools to assist in NLP</a:t>
+            </a:r>
+          </a:p>
+          <a:p>
+            <a:pPr lvl="1"/>
+            <a:endParaRPr lang="en-US" dirty="0"/>
+          </a:p>
+          <a:p>
+            <a:r>
+              <a:rPr lang="en-US" dirty="0" smtClean="0"/>
+              <a:t>Cons:</a:t>
+            </a:r>
+          </a:p>
+          <a:p>
+            <a:pPr lvl="1"/>
+            <a:r>
+              <a:rPr lang="en-US" dirty="0" smtClean="0"/>
+              <a:t>No major cons from this demo project, but online research raised a few possibilities:</a:t>
+            </a:r>
+          </a:p>
+          <a:p>
+            <a:pPr lvl="2"/>
+            <a:r>
+              <a:rPr lang="en-US" dirty="0" smtClean="0"/>
+              <a:t>Python has useful tools but there are some things that are better handled or can only be done in Scala or Java, such as certain </a:t>
+            </a:r>
+            <a:r>
+              <a:rPr lang="en-US" dirty="0" err="1" smtClean="0"/>
+              <a:t>RDD</a:t>
+            </a:r>
+            <a:r>
+              <a:rPr lang="en-US" dirty="0" smtClean="0"/>
+              <a:t> operations</a:t>
+            </a:r>
+          </a:p>
+          <a:p>
+            <a:pPr lvl="2"/>
+            <a:r>
+              <a:rPr lang="en-US" dirty="0" smtClean="0"/>
+              <a:t>Scala and Java may potentially perform faster than Python. May depend on the application and further investigation is needed</a:t>
+            </a:r>
+          </a:p>
+          <a:p>
+            <a:endParaRPr lang="en-US" dirty="0" smtClean="0"/>
+          </a:p>
+        </p:txBody>
+      </p:sp>
+      <p:sp>
+        <p:nvSpPr>
+          <p:cNvPr id="4100" name="Footer Placeholder 3"/>
+          <p:cNvSpPr>
+            <a:spLocks noGrp="1"/>
+          </p:cNvSpPr>
+          <p:nvPr>
+            <p:ph type="ftr" sz="quarter" idx="11"/>
+          </p:nvPr>
+        </p:nvSpPr>
+        <p:spPr bwMode="auto">
+          <a:noFill/>
+          <a:extLst>
+            <a:ext uri="{909E8E84-426E-40DD-AFC4-6F175D3DCCD1}">
+              <a14:hiddenFill xmlns:a14="http://schemas.microsoft.com/office/drawing/2010/main">
+                <a:solidFill>
+                  <a:srgbClr val="FFFFFF"/>
+                </a:solidFill>
+              </a14:hiddenFill>
+            </a:ext>
+            <a:ext uri="{91240B29-F687-4F45-9708-019B960494DF}">
+              <a14:hiddenLine xmlns:a14="http://schemas.microsoft.com/office/drawing/2010/main" w="9525">
+                <a:solidFill>
+                  <a:srgbClr val="000000"/>
+                </a:solidFill>
+                <a:miter lim="800000"/>
+                <a:headEnd/>
+                <a:tailEnd/>
+              </a14:hiddenLine>
+            </a:ext>
+          </a:extLst>
+        </p:spPr>
+        <p:txBody>
+          <a:bodyPr/>
+          <a:lstStyle>
+            <a:lvl1pPr eaLnBrk="0" hangingPunct="0">
+              <a:spcBef>
+                <a:spcPct val="20000"/>
+              </a:spcBef>
+              <a:buClr>
+                <a:schemeClr val="hlink"/>
+              </a:buClr>
+              <a:buFont typeface="Wingdings" pitchFamily="2" charset="2"/>
+              <a:buChar char="§"/>
+              <a:defRPr sz="2800">
+                <a:solidFill>
+                  <a:schemeClr val="tx1"/>
+                </a:solidFill>
+                <a:latin typeface="Calibri" pitchFamily="34" charset="0"/>
+              </a:defRPr>
+            </a:lvl1pPr>
+            <a:lvl2pPr marL="742950" indent="-285750" eaLnBrk="0" hangingPunct="0">
+              <a:spcBef>
+                <a:spcPct val="20000"/>
+              </a:spcBef>
+              <a:buClr>
+                <a:srgbClr val="FF0000"/>
+              </a:buClr>
+              <a:buFont typeface="Wingdings" pitchFamily="2" charset="2"/>
+              <a:buChar char="§"/>
+              <a:defRPr sz="2400">
+                <a:solidFill>
+                  <a:schemeClr val="tx1"/>
+                </a:solidFill>
+                <a:latin typeface="Calibri" pitchFamily="34" charset="0"/>
+              </a:defRPr>
+            </a:lvl2pPr>
+            <a:lvl3pPr marL="1143000" indent="-228600" eaLnBrk="0" hangingPunct="0">
+              <a:spcBef>
+                <a:spcPct val="20000"/>
+              </a:spcBef>
+              <a:buClr>
+                <a:srgbClr val="00CC00"/>
+              </a:buClr>
+              <a:buFont typeface="Wingdings" pitchFamily="2" charset="2"/>
+              <a:buChar char="§"/>
+              <a:defRPr sz="2000">
+                <a:solidFill>
+                  <a:schemeClr val="tx1"/>
+                </a:solidFill>
+                <a:latin typeface="Calibri" pitchFamily="34" charset="0"/>
+              </a:defRPr>
+            </a:lvl3pPr>
+            <a:lvl4pPr marL="1600200" indent="-228600" eaLnBrk="0" hangingPunct="0">
+              <a:spcBef>
+                <a:spcPct val="20000"/>
+              </a:spcBef>
+              <a:buFont typeface="Arial" charset="0"/>
+              <a:buChar char="–"/>
+              <a:defRPr sz="2000">
+                <a:solidFill>
+                  <a:schemeClr val="tx1"/>
+                </a:solidFill>
+                <a:latin typeface="Calibri" pitchFamily="34" charset="0"/>
+              </a:defRPr>
+            </a:lvl4pPr>
+            <a:lvl5pPr marL="2057400" indent="-228600" eaLnBrk="0" hangingPunct="0">
+              <a:spcBef>
+                <a:spcPct val="20000"/>
+              </a:spcBef>
+              <a:buFont typeface="Arial" charset="0"/>
+              <a:buChar char="»"/>
+              <a:defRPr sz="2000">
+                <a:solidFill>
+                  <a:schemeClr val="tx1"/>
+                </a:solidFill>
+                <a:latin typeface="Calibri" pitchFamily="34" charset="0"/>
+              </a:defRPr>
+            </a:lvl5pPr>
+            <a:lvl6pPr marL="2514600" indent="-228600" eaLnBrk="0" fontAlgn="base" hangingPunct="0">
+              <a:spcBef>
+                <a:spcPct val="20000"/>
+              </a:spcBef>
+              <a:spcAft>
+                <a:spcPct val="0"/>
+              </a:spcAft>
+              <a:buFont typeface="Arial" charset="0"/>
+              <a:buChar char="»"/>
+              <a:defRPr sz="2000">
+                <a:solidFill>
+                  <a:schemeClr val="tx1"/>
+                </a:solidFill>
+                <a:latin typeface="Calibri" pitchFamily="34" charset="0"/>
+              </a:defRPr>
+            </a:lvl6pPr>
+            <a:lvl7pPr marL="2971800" indent="-228600" eaLnBrk="0" fontAlgn="base" hangingPunct="0">
+              <a:spcBef>
+                <a:spcPct val="20000"/>
+              </a:spcBef>
+              <a:spcAft>
+                <a:spcPct val="0"/>
+              </a:spcAft>
+              <a:buFont typeface="Arial" charset="0"/>
+              <a:buChar char="»"/>
+              <a:defRPr sz="2000">
+                <a:solidFill>
+                  <a:schemeClr val="tx1"/>
+                </a:solidFill>
+                <a:latin typeface="Calibri" pitchFamily="34" charset="0"/>
+              </a:defRPr>
+            </a:lvl7pPr>
+            <a:lvl8pPr marL="3429000" indent="-228600" eaLnBrk="0" fontAlgn="base" hangingPunct="0">
+              <a:spcBef>
+                <a:spcPct val="20000"/>
+              </a:spcBef>
+              <a:spcAft>
+                <a:spcPct val="0"/>
+              </a:spcAft>
+              <a:buFont typeface="Arial" charset="0"/>
+              <a:buChar char="»"/>
+              <a:defRPr sz="2000">
+                <a:solidFill>
+                  <a:schemeClr val="tx1"/>
+                </a:solidFill>
+                <a:latin typeface="Calibri" pitchFamily="34" charset="0"/>
+              </a:defRPr>
+            </a:lvl8pPr>
+            <a:lvl9pPr marL="3886200" indent="-228600" eaLnBrk="0" fontAlgn="base" hangingPunct="0">
+              <a:spcBef>
+                <a:spcPct val="20000"/>
+              </a:spcBef>
+              <a:spcAft>
+                <a:spcPct val="0"/>
+              </a:spcAft>
+              <a:buFont typeface="Arial" charset="0"/>
+              <a:buChar char="»"/>
+              <a:defRPr sz="2000">
+                <a:solidFill>
+                  <a:schemeClr val="tx1"/>
+                </a:solidFill>
+                <a:latin typeface="Calibri" pitchFamily="34" charset="0"/>
+              </a:defRPr>
+            </a:lvl9pPr>
+          </a:lstStyle>
+          <a:p>
+            <a:pPr eaLnBrk="1" hangingPunct="1">
+              <a:spcBef>
+                <a:spcPct val="0"/>
+              </a:spcBef>
+              <a:buClrTx/>
+              <a:buFontTx/>
+              <a:buNone/>
+            </a:pPr>
+            <a:r>
+              <a:rPr lang="en-US" altLang="en-US" sz="1200" dirty="0" smtClean="0">
+                <a:solidFill>
+                  <a:srgbClr val="898989"/>
+                </a:solidFill>
+              </a:rPr>
+              <a:t>Luke Walsh</a:t>
+            </a:r>
+            <a:endParaRPr lang="en-US" altLang="en-US" sz="1200" dirty="0" smtClean="0">
+              <a:solidFill>
+                <a:srgbClr val="898989"/>
+              </a:solidFill>
+            </a:endParaRPr>
+          </a:p>
+        </p:txBody>
+      </p:sp>
+      <p:sp>
+        <p:nvSpPr>
+          <p:cNvPr id="5" name="Slide Number Placeholder 4"/>
+          <p:cNvSpPr>
+            <a:spLocks noGrp="1"/>
+          </p:cNvSpPr>
+          <p:nvPr>
+            <p:ph type="sldNum" sz="quarter" idx="12"/>
+          </p:nvPr>
+        </p:nvSpPr>
+        <p:spPr/>
+        <p:txBody>
+          <a:bodyPr/>
+          <a:lstStyle/>
+          <a:p>
+            <a:pPr>
+              <a:defRPr/>
+            </a:pPr>
+            <a:fld id="{76E1BF35-675D-491F-A687-B2C9BE79DFC7}" type="slidenum">
+              <a:rPr lang="en-US" smtClean="0"/>
+              <a:pPr>
+                <a:defRPr/>
+              </a:pPr>
+              <a:t>11</a:t>
+            </a:fld>
+            <a:endParaRPr lang="en-US" dirty="0"/>
+          </a:p>
+        </p:txBody>
+      </p:sp>
+    </p:spTree>
+    <p:extLst>
+      <p:ext uri="{BB962C8B-B14F-4D97-AF65-F5344CB8AC3E}">
+        <p14:creationId xmlns:p14="http://schemas.microsoft.com/office/powerpoint/2010/main" val="358822978"/>
+      </p:ext>
+    </p:extLst>
+  </p:cSld>
+  <p:clrMapOvr>
+    <a:masterClrMapping/>
+  </p:clrMapOvr>
+</p:sld>
+</file>
+
+<file path=ppt/slides/slide12.xml><?xml version="1.0" encoding="utf-8"?>
+<p:sld xmlns:a="http://schemas.openxmlformats.org/drawingml/2006/main" xmlns:r="http://schemas.openxmlformats.org/officeDocument/2006/relationships" xmlns:p="http://schemas.openxmlformats.org/presentationml/2006/main">
+  <p:cSld>
+    <p:spTree>
+      <p:nvGrpSpPr>
+        <p:cNvPr id="1" name=""/>
+        <p:cNvGrpSpPr/>
+        <p:nvPr/>
+      </p:nvGrpSpPr>
+      <p:grpSpPr>
+        <a:xfrm>
+          <a:off x="0" y="0"/>
+          <a:ext cx="0" cy="0"/>
+          <a:chOff x="0" y="0"/>
+          <a:chExt cx="0" cy="0"/>
+        </a:xfrm>
+      </p:grpSpPr>
+      <p:sp>
+        <p:nvSpPr>
+          <p:cNvPr id="6" name="Title 5"/>
+          <p:cNvSpPr>
+            <a:spLocks noGrp="1"/>
+          </p:cNvSpPr>
+          <p:nvPr>
+            <p:ph type="title"/>
+          </p:nvPr>
+        </p:nvSpPr>
+        <p:spPr/>
+        <p:txBody>
+          <a:bodyPr>
+            <a:normAutofit/>
+          </a:bodyPr>
+          <a:lstStyle/>
+          <a:p>
+            <a:r>
+              <a:rPr lang="en-US" dirty="0" smtClean="0"/>
+              <a:t>YouTube URLs, Last Page</a:t>
+            </a:r>
+            <a:endParaRPr lang="en-US" dirty="0"/>
+          </a:p>
+        </p:txBody>
+      </p:sp>
+      <p:sp>
+        <p:nvSpPr>
+          <p:cNvPr id="7" name="Content Placeholder 6"/>
+          <p:cNvSpPr>
+            <a:spLocks noGrp="1"/>
+          </p:cNvSpPr>
+          <p:nvPr>
+            <p:ph idx="1"/>
+          </p:nvPr>
+        </p:nvSpPr>
+        <p:spPr/>
+        <p:txBody>
+          <a:bodyPr/>
+          <a:lstStyle/>
+          <a:p>
+            <a:r>
+              <a:rPr lang="en-US" dirty="0" smtClean="0"/>
+              <a:t>Two minute (short):</a:t>
+            </a:r>
+          </a:p>
+          <a:p>
+            <a:r>
+              <a:rPr lang="en-US" dirty="0" smtClean="0"/>
+              <a:t>15 minutes (long):</a:t>
+            </a:r>
+            <a:endParaRPr lang="en-US" dirty="0"/>
+          </a:p>
+        </p:txBody>
+      </p:sp>
+      <p:sp>
+        <p:nvSpPr>
+          <p:cNvPr id="4100" name="Footer Placeholder 3"/>
+          <p:cNvSpPr>
+            <a:spLocks noGrp="1"/>
+          </p:cNvSpPr>
+          <p:nvPr>
+            <p:ph type="ftr" sz="quarter" idx="11"/>
+          </p:nvPr>
+        </p:nvSpPr>
+        <p:spPr bwMode="auto">
+          <a:noFill/>
+          <a:extLst>
+            <a:ext uri="{909E8E84-426E-40DD-AFC4-6F175D3DCCD1}">
+              <a14:hiddenFill xmlns:a14="http://schemas.microsoft.com/office/drawing/2010/main">
+                <a:solidFill>
+                  <a:srgbClr val="FFFFFF"/>
+                </a:solidFill>
+              </a14:hiddenFill>
+            </a:ext>
+            <a:ext uri="{91240B29-F687-4F45-9708-019B960494DF}">
+              <a14:hiddenLine xmlns:a14="http://schemas.microsoft.com/office/drawing/2010/main" w="9525">
+                <a:solidFill>
+                  <a:srgbClr val="000000"/>
+                </a:solidFill>
+                <a:miter lim="800000"/>
+                <a:headEnd/>
+                <a:tailEnd/>
+              </a14:hiddenLine>
+            </a:ext>
+          </a:extLst>
+        </p:spPr>
+        <p:txBody>
+          <a:bodyPr/>
+          <a:lstStyle>
+            <a:lvl1pPr eaLnBrk="0" hangingPunct="0">
+              <a:spcBef>
+                <a:spcPct val="20000"/>
+              </a:spcBef>
+              <a:buClr>
+                <a:schemeClr val="hlink"/>
+              </a:buClr>
+              <a:buFont typeface="Wingdings" pitchFamily="2" charset="2"/>
+              <a:buChar char="§"/>
+              <a:defRPr sz="2800">
+                <a:solidFill>
+                  <a:schemeClr val="tx1"/>
+                </a:solidFill>
+                <a:latin typeface="Calibri" pitchFamily="34" charset="0"/>
+              </a:defRPr>
+            </a:lvl1pPr>
+            <a:lvl2pPr marL="742950" indent="-285750" eaLnBrk="0" hangingPunct="0">
+              <a:spcBef>
+                <a:spcPct val="20000"/>
+              </a:spcBef>
+              <a:buClr>
+                <a:srgbClr val="FF0000"/>
+              </a:buClr>
+              <a:buFont typeface="Wingdings" pitchFamily="2" charset="2"/>
+              <a:buChar char="§"/>
+              <a:defRPr sz="2400">
+                <a:solidFill>
+                  <a:schemeClr val="tx1"/>
+                </a:solidFill>
+                <a:latin typeface="Calibri" pitchFamily="34" charset="0"/>
+              </a:defRPr>
+            </a:lvl2pPr>
+            <a:lvl3pPr marL="1143000" indent="-228600" eaLnBrk="0" hangingPunct="0">
+              <a:spcBef>
+                <a:spcPct val="20000"/>
+              </a:spcBef>
+              <a:buClr>
+                <a:srgbClr val="00CC00"/>
+              </a:buClr>
+              <a:buFont typeface="Wingdings" pitchFamily="2" charset="2"/>
+              <a:buChar char="§"/>
+              <a:defRPr sz="2000">
+                <a:solidFill>
+                  <a:schemeClr val="tx1"/>
+                </a:solidFill>
+                <a:latin typeface="Calibri" pitchFamily="34" charset="0"/>
+              </a:defRPr>
+            </a:lvl3pPr>
+            <a:lvl4pPr marL="1600200" indent="-228600" eaLnBrk="0" hangingPunct="0">
+              <a:spcBef>
+                <a:spcPct val="20000"/>
+              </a:spcBef>
+              <a:buFont typeface="Arial" charset="0"/>
+              <a:buChar char="–"/>
+              <a:defRPr sz="2000">
+                <a:solidFill>
+                  <a:schemeClr val="tx1"/>
+                </a:solidFill>
+                <a:latin typeface="Calibri" pitchFamily="34" charset="0"/>
+              </a:defRPr>
+            </a:lvl4pPr>
+            <a:lvl5pPr marL="2057400" indent="-228600" eaLnBrk="0" hangingPunct="0">
+              <a:spcBef>
+                <a:spcPct val="20000"/>
+              </a:spcBef>
+              <a:buFont typeface="Arial" charset="0"/>
+              <a:buChar char="»"/>
+              <a:defRPr sz="2000">
+                <a:solidFill>
+                  <a:schemeClr val="tx1"/>
+                </a:solidFill>
+                <a:latin typeface="Calibri" pitchFamily="34" charset="0"/>
+              </a:defRPr>
+            </a:lvl5pPr>
+            <a:lvl6pPr marL="2514600" indent="-228600" eaLnBrk="0" fontAlgn="base" hangingPunct="0">
+              <a:spcBef>
+                <a:spcPct val="20000"/>
+              </a:spcBef>
+              <a:spcAft>
+                <a:spcPct val="0"/>
+              </a:spcAft>
+              <a:buFont typeface="Arial" charset="0"/>
+              <a:buChar char="»"/>
+              <a:defRPr sz="2000">
+                <a:solidFill>
+                  <a:schemeClr val="tx1"/>
+                </a:solidFill>
+                <a:latin typeface="Calibri" pitchFamily="34" charset="0"/>
+              </a:defRPr>
+            </a:lvl6pPr>
+            <a:lvl7pPr marL="2971800" indent="-228600" eaLnBrk="0" fontAlgn="base" hangingPunct="0">
+              <a:spcBef>
+                <a:spcPct val="20000"/>
+              </a:spcBef>
+              <a:spcAft>
+                <a:spcPct val="0"/>
+              </a:spcAft>
+              <a:buFont typeface="Arial" charset="0"/>
+              <a:buChar char="»"/>
+              <a:defRPr sz="2000">
+                <a:solidFill>
+                  <a:schemeClr val="tx1"/>
+                </a:solidFill>
+                <a:latin typeface="Calibri" pitchFamily="34" charset="0"/>
+              </a:defRPr>
+            </a:lvl7pPr>
+            <a:lvl8pPr marL="3429000" indent="-228600" eaLnBrk="0" fontAlgn="base" hangingPunct="0">
+              <a:spcBef>
+                <a:spcPct val="20000"/>
+              </a:spcBef>
+              <a:spcAft>
+                <a:spcPct val="0"/>
+              </a:spcAft>
+              <a:buFont typeface="Arial" charset="0"/>
+              <a:buChar char="»"/>
+              <a:defRPr sz="2000">
+                <a:solidFill>
+                  <a:schemeClr val="tx1"/>
+                </a:solidFill>
+                <a:latin typeface="Calibri" pitchFamily="34" charset="0"/>
+              </a:defRPr>
+            </a:lvl8pPr>
+            <a:lvl9pPr marL="3886200" indent="-228600" eaLnBrk="0" fontAlgn="base" hangingPunct="0">
+              <a:spcBef>
+                <a:spcPct val="20000"/>
+              </a:spcBef>
+              <a:spcAft>
+                <a:spcPct val="0"/>
+              </a:spcAft>
+              <a:buFont typeface="Arial" charset="0"/>
+              <a:buChar char="»"/>
+              <a:defRPr sz="2000">
+                <a:solidFill>
+                  <a:schemeClr val="tx1"/>
+                </a:solidFill>
+                <a:latin typeface="Calibri" pitchFamily="34" charset="0"/>
+              </a:defRPr>
+            </a:lvl9pPr>
+          </a:lstStyle>
+          <a:p>
+            <a:pPr eaLnBrk="1" hangingPunct="1">
+              <a:spcBef>
+                <a:spcPct val="0"/>
+              </a:spcBef>
+              <a:buClrTx/>
+              <a:buFontTx/>
+              <a:buNone/>
+            </a:pPr>
+            <a:r>
+              <a:rPr lang="en-US" altLang="en-US" sz="1200" dirty="0" smtClean="0">
+                <a:solidFill>
+                  <a:srgbClr val="898989"/>
+                </a:solidFill>
+              </a:rPr>
+              <a:t>Luke Walsh</a:t>
+            </a:r>
+            <a:endParaRPr lang="en-US" altLang="en-US" sz="1200" dirty="0" smtClean="0">
+              <a:solidFill>
+                <a:srgbClr val="898989"/>
+              </a:solidFill>
+            </a:endParaRPr>
+          </a:p>
+        </p:txBody>
+      </p:sp>
+      <p:sp>
+        <p:nvSpPr>
+          <p:cNvPr id="5" name="Slide Number Placeholder 4"/>
+          <p:cNvSpPr>
+            <a:spLocks noGrp="1"/>
+          </p:cNvSpPr>
+          <p:nvPr>
+            <p:ph type="sldNum" sz="quarter" idx="12"/>
+          </p:nvPr>
+        </p:nvSpPr>
+        <p:spPr/>
+        <p:txBody>
+          <a:bodyPr/>
+          <a:lstStyle/>
+          <a:p>
+            <a:pPr>
+              <a:defRPr/>
+            </a:pPr>
+            <a:fld id="{76E1BF35-675D-491F-A687-B2C9BE79DFC7}" type="slidenum">
+              <a:rPr lang="en-US" smtClean="0"/>
+              <a:pPr>
+                <a:defRPr/>
+              </a:pPr>
+              <a:t>12</a:t>
+            </a:fld>
+            <a:endParaRPr lang="en-US" dirty="0"/>
+          </a:p>
+        </p:txBody>
+      </p:sp>
+    </p:spTree>
+  </p:cSld>
+  <p:clrMapOvr>
+    <a:masterClrMapping/>
+  </p:clrMapOvr>
+</p:sld>
+</file>
+
 <file path=ppt/slides/slide2.xml><?xml version="1.0" encoding="utf-8"?>
 <p:sld xmlns:a="http://schemas.openxmlformats.org/drawingml/2006/main" xmlns:r="http://schemas.openxmlformats.org/officeDocument/2006/relationships" xmlns:p="http://schemas.openxmlformats.org/presentationml/2006/main">
   <p:cSld>
@@ -5798,8 +6832,148 @@
           <a:p>
             <a:r>
               <a:rPr lang="en-US" dirty="0" smtClean="0"/>
-              <a:t>Narrative</a:t>
-            </a:r>
+              <a:t>Topic: </a:t>
+            </a:r>
+            <a:r>
+              <a:rPr lang="en-US" dirty="0" err="1" smtClean="0"/>
+              <a:t>PySpark</a:t>
+            </a:r>
+            <a:r>
+              <a:rPr lang="en-US" dirty="0" smtClean="0"/>
+              <a:t> Streaming and </a:t>
+            </a:r>
+            <a:r>
+              <a:rPr lang="en-US" dirty="0" err="1" smtClean="0"/>
+              <a:t>NLTK</a:t>
+            </a:r>
+            <a:r>
+              <a:rPr lang="en-US" dirty="0" smtClean="0"/>
+              <a:t> Text Processing</a:t>
+            </a:r>
+          </a:p>
+          <a:p>
+            <a:r>
+              <a:rPr lang="en-US" dirty="0" smtClean="0"/>
+              <a:t>Objective/Problem Statement:</a:t>
+            </a:r>
+          </a:p>
+          <a:p>
+            <a:pPr lvl="1"/>
+            <a:r>
+              <a:rPr lang="en-US" dirty="0" smtClean="0"/>
+              <a:t>Build a </a:t>
+            </a:r>
+            <a:r>
+              <a:rPr lang="en-US" dirty="0" err="1" smtClean="0"/>
+              <a:t>PySpark</a:t>
+            </a:r>
+            <a:r>
+              <a:rPr lang="en-US" dirty="0" smtClean="0"/>
+              <a:t> Streaming application using Python’s </a:t>
+            </a:r>
+            <a:r>
+              <a:rPr lang="en-US" dirty="0" err="1" smtClean="0"/>
+              <a:t>NLTK</a:t>
+            </a:r>
+            <a:r>
+              <a:rPr lang="en-US" dirty="0" smtClean="0"/>
+              <a:t> library that analyzes the sentiment of Tweets about a given topic/search term in near-real time</a:t>
+            </a:r>
+          </a:p>
+          <a:p>
+            <a:r>
+              <a:rPr lang="en-US" dirty="0" smtClean="0"/>
+              <a:t>Data sources:</a:t>
+            </a:r>
+          </a:p>
+          <a:p>
+            <a:pPr lvl="1"/>
+            <a:r>
+              <a:rPr lang="en-US" dirty="0" smtClean="0"/>
+              <a:t>Training dataset: Twitter Sentiment Analysis Dataset</a:t>
+            </a:r>
+          </a:p>
+          <a:p>
+            <a:pPr lvl="2"/>
+            <a:r>
+              <a:rPr lang="en-US" dirty="0" smtClean="0"/>
+              <a:t>Contains ~1.5 million Tweets already classified as 1 or 0 for positive or negative sentiment</a:t>
+            </a:r>
+          </a:p>
+          <a:p>
+            <a:pPr lvl="2"/>
+            <a:r>
+              <a:rPr lang="en-US" dirty="0" smtClean="0"/>
+              <a:t>Source: </a:t>
+            </a:r>
+            <a:r>
+              <a:rPr lang="en-US" dirty="0" smtClean="0">
+                <a:hlinkClick r:id="rId2"/>
+              </a:rPr>
+              <a:t>http</a:t>
+            </a:r>
+            <a:r>
+              <a:rPr lang="en-US" dirty="0">
+                <a:hlinkClick r:id="rId2"/>
+              </a:rPr>
+              <a:t>://thinknook.com/twitter-sentiment-analysis-training-corpus-dataset-2012-09-22</a:t>
+            </a:r>
+            <a:r>
+              <a:rPr lang="en-US" dirty="0" smtClean="0">
+                <a:hlinkClick r:id="rId2"/>
+              </a:rPr>
+              <a:t>/</a:t>
+            </a:r>
+            <a:endParaRPr lang="en-US" dirty="0" smtClean="0"/>
+          </a:p>
+          <a:p>
+            <a:pPr lvl="1"/>
+            <a:r>
+              <a:rPr lang="en-US" dirty="0" smtClean="0"/>
+              <a:t>Twitter Public Filtered Stream:</a:t>
+            </a:r>
+          </a:p>
+          <a:p>
+            <a:pPr lvl="2"/>
+            <a:r>
+              <a:rPr lang="en-US" dirty="0" smtClean="0"/>
+              <a:t>“Returns public status that match one or more filter predicates”</a:t>
+            </a:r>
+          </a:p>
+          <a:p>
+            <a:pPr lvl="2"/>
+            <a:r>
+              <a:rPr lang="en-US" dirty="0"/>
+              <a:t>Ex URL: </a:t>
+            </a:r>
+            <a:r>
+              <a:rPr lang="en-US" dirty="0">
+                <a:hlinkClick r:id="rId3"/>
+              </a:rPr>
+              <a:t>https://</a:t>
+            </a:r>
+            <a:r>
+              <a:rPr lang="en-US" dirty="0" smtClean="0">
+                <a:hlinkClick r:id="rId3"/>
+              </a:rPr>
+              <a:t>stream.twitter.com/1.1/statuses/filter.json?track=trump</a:t>
+            </a:r>
+            <a:endParaRPr lang="en-US" dirty="0"/>
+          </a:p>
+          <a:p>
+            <a:pPr lvl="2"/>
+            <a:r>
+              <a:rPr lang="en-US" dirty="0" smtClean="0"/>
+              <a:t>Data for this analysis collected in batches of 45 seconds</a:t>
+            </a:r>
+          </a:p>
+          <a:p>
+            <a:pPr lvl="1"/>
+            <a:endParaRPr lang="en-US" dirty="0" smtClean="0"/>
+          </a:p>
+          <a:p>
+            <a:pPr lvl="1"/>
+            <a:endParaRPr lang="en-US" dirty="0" smtClean="0"/>
           </a:p>
         </p:txBody>
       </p:sp>
@@ -5987,13 +7161,18 @@
               <a:buNone/>
             </a:pPr>
             <a:r>
-              <a:rPr lang="en-US" altLang="en-US" sz="1200" smtClean="0">
+              <a:rPr lang="en-US" altLang="en-US" sz="1200" dirty="0" smtClean="0">
                 <a:solidFill>
                   <a:srgbClr val="898989"/>
                 </a:solidFill>
               </a:rPr>
-              <a:t>@Your Name</a:t>
-            </a:r>
+              <a:t>Luke Walsh</a:t>
+            </a:r>
+            <a:endParaRPr lang="en-US" altLang="en-US" sz="1200" dirty="0" smtClean="0">
+              <a:solidFill>
+                <a:srgbClr val="898989"/>
+              </a:solidFill>
+            </a:endParaRPr>
           </a:p>
         </p:txBody>
       </p:sp>
@@ -6075,7 +7254,7 @@
           <a:p>
             <a:r>
               <a:rPr lang="en-US" dirty="0" smtClean="0"/>
-              <a:t>YouTube URLs, Last Page</a:t>
+              <a:t>Output “Sneak Peek”</a:t>
             </a:r>
             <a:endParaRPr lang="en-US" dirty="0"/>
           </a:p>
@@ -6096,17 +7275,14 @@
           <a:bodyPr/>
           <a:lstStyle/>
           <a:p>
-            <a:r>
-              <a:rPr lang="en-US" dirty="0" smtClean="0"/>
-              <a:t>Two minute (short):</a:t>
-            </a:r>
-          </a:p>
-          <a:p>
-            <a:r>
-              <a:rPr lang="en-US" dirty="0" smtClean="0"/>
-              <a:t>15 minutes (long):</a:t>
-            </a:r>
-            <a:endParaRPr lang="en-US" dirty="0"/>
+            <a:pPr marL="457200" lvl="1" indent="0">
+              <a:buNone/>
+            </a:pPr>
+            <a:endParaRPr lang="en-US" dirty="0" smtClean="0"/>
+          </a:p>
+          <a:p>
+            <a:pPr lvl="1"/>
+            <a:endParaRPr lang="en-US" dirty="0" smtClean="0"/>
           </a:p>
         </p:txBody>
       </p:sp>
@@ -6294,13 +7470,18 @@
               <a:buNone/>
             </a:pPr>
             <a:r>
-              <a:rPr lang="en-US" altLang="en-US" sz="1200" smtClean="0">
+              <a:rPr lang="en-US" altLang="en-US" sz="1200" dirty="0" smtClean="0">
                 <a:solidFill>
                   <a:srgbClr val="898989"/>
                 </a:solidFill>
               </a:rPr>
-              <a:t>@Your Name</a:t>
-            </a:r>
+              <a:t>Luke Walsh</a:t>
+            </a:r>
+            <a:endParaRPr lang="en-US" altLang="en-US" sz="1200" dirty="0" smtClean="0">
+              <a:solidFill>
+                <a:srgbClr val="898989"/>
+              </a:solidFill>
+            </a:endParaRPr>
           </a:p>
         </p:txBody>
       </p:sp>
@@ -6333,7 +7514,2268 @@
           </a:p>
         </p:txBody>
       </p:sp>
+      <p:pic>
+        <p:nvPicPr>
+          <p:cNvPr id="2" name="Picture 1"/>
+          <p:cNvPicPr>
+            <a:picLocks noChangeAspect="1"/>
+          </p:cNvPicPr>
+          <p:nvPr/>
+        </p:nvPicPr>
+        <p:blipFill>
+          <a:blip r:embed="rId2"/>
+          <a:stretch>
+            <a:fillRect/>
+          </a:stretch>
+        </p:blipFill>
+        <p:spPr>
+          <a:xfrm>
+            <a:off x="402142" y="944563"/>
+            <a:ext cx="8339716" cy="4968874"/>
+          </a:xfrm>
+          <a:prstGeom prst="rect">
+            <a:avLst/>
+          </a:prstGeom>
+        </p:spPr>
+      </p:pic>
     </p:spTree>
+    <p:extLst>
+      <p:ext uri="{BB962C8B-B14F-4D97-AF65-F5344CB8AC3E}">
+        <p14:creationId xmlns:p14="http://schemas.microsoft.com/office/powerpoint/2010/main" val="1433394105"/>
+      </p:ext>
+    </p:extLst>
+  </p:cSld>
+  <p:clrMapOvr>
+    <a:masterClrMapping/>
+  </p:clrMapOvr>
+</p:sld>
+</file>
+
+<file path=ppt/slides/slide4.xml><?xml version="1.0" encoding="utf-8"?>
+<p:sld xmlns:a="http://schemas.openxmlformats.org/drawingml/2006/main" xmlns:r="http://schemas.openxmlformats.org/officeDocument/2006/relationships" xmlns:p="http://schemas.openxmlformats.org/presentationml/2006/main">
+  <p:cSld>
+    <p:spTree>
+      <p:nvGrpSpPr>
+        <p:cNvPr id="1" name=""/>
+        <p:cNvGrpSpPr/>
+        <p:nvPr/>
+      </p:nvGrpSpPr>
+      <p:grpSpPr>
+        <a:xfrm>
+          <a:off x="0" y="0"/>
+          <a:ext cx="0" cy="0"/>
+          <a:chOff x="0" y="0"/>
+          <a:chExt cx="0" cy="0"/>
+        </a:xfrm>
+      </p:grpSpPr>
+      <p:sp>
+        <p:nvSpPr>
+          <p:cNvPr id="6" name="Title 5"/>
+          <p:cNvSpPr>
+            <a:spLocks noGrp="1"/>
+          </p:cNvSpPr>
+          <p:nvPr>
+            <p:ph type="title"/>
+          </p:nvPr>
+        </p:nvSpPr>
+        <p:spPr/>
+        <p:txBody>
+          <a:bodyPr>
+            <a:normAutofit/>
+          </a:bodyPr>
+          <a:lstStyle/>
+          <a:p>
+            <a:r>
+              <a:rPr lang="en-US" dirty="0" smtClean="0"/>
+              <a:t>Output “Sneak Peek”</a:t>
+            </a:r>
+            <a:endParaRPr lang="en-US" dirty="0"/>
+          </a:p>
+        </p:txBody>
+      </p:sp>
+      <p:sp>
+        <p:nvSpPr>
+          <p:cNvPr id="7" name="Content Placeholder 6"/>
+          <p:cNvSpPr>
+            <a:spLocks noGrp="1"/>
+          </p:cNvSpPr>
+          <p:nvPr>
+            <p:ph idx="1"/>
+          </p:nvPr>
+        </p:nvSpPr>
+        <p:spPr/>
+        <p:txBody>
+          <a:bodyPr/>
+          <a:lstStyle/>
+          <a:p>
+            <a:pPr marL="457200" lvl="1" indent="0">
+              <a:buNone/>
+            </a:pPr>
+            <a:endParaRPr lang="en-US" dirty="0" smtClean="0"/>
+          </a:p>
+          <a:p>
+            <a:pPr lvl="1"/>
+            <a:endParaRPr lang="en-US" dirty="0" smtClean="0"/>
+          </a:p>
+        </p:txBody>
+      </p:sp>
+      <p:sp>
+        <p:nvSpPr>
+          <p:cNvPr id="4100" name="Footer Placeholder 3"/>
+          <p:cNvSpPr>
+            <a:spLocks noGrp="1"/>
+          </p:cNvSpPr>
+          <p:nvPr>
+            <p:ph type="ftr" sz="quarter" idx="11"/>
+          </p:nvPr>
+        </p:nvSpPr>
+        <p:spPr bwMode="auto">
+          <a:noFill/>
+          <a:extLst>
+            <a:ext uri="{909E8E84-426E-40DD-AFC4-6F175D3DCCD1}">
+              <a14:hiddenFill xmlns:a14="http://schemas.microsoft.com/office/drawing/2010/main">
+                <a:solidFill>
+                  <a:srgbClr val="FFFFFF"/>
+                </a:solidFill>
+              </a14:hiddenFill>
+            </a:ext>
+            <a:ext uri="{91240B29-F687-4F45-9708-019B960494DF}">
+              <a14:hiddenLine xmlns:a14="http://schemas.microsoft.com/office/drawing/2010/main" w="9525">
+                <a:solidFill>
+                  <a:srgbClr val="000000"/>
+                </a:solidFill>
+                <a:miter lim="800000"/>
+                <a:headEnd/>
+                <a:tailEnd/>
+              </a14:hiddenLine>
+            </a:ext>
+          </a:extLst>
+        </p:spPr>
+        <p:txBody>
+          <a:bodyPr/>
+          <a:lstStyle>
+            <a:lvl1pPr eaLnBrk="0" hangingPunct="0">
+              <a:spcBef>
+                <a:spcPct val="20000"/>
+              </a:spcBef>
+              <a:buClr>
+                <a:schemeClr val="hlink"/>
+              </a:buClr>
+              <a:buFont typeface="Wingdings" pitchFamily="2" charset="2"/>
+              <a:buChar char="§"/>
+              <a:defRPr sz="2800">
+                <a:solidFill>
+                  <a:schemeClr val="tx1"/>
+                </a:solidFill>
+                <a:latin typeface="Calibri" pitchFamily="34" charset="0"/>
+              </a:defRPr>
+            </a:lvl1pPr>
+            <a:lvl2pPr marL="742950" indent="-285750" eaLnBrk="0" hangingPunct="0">
+              <a:spcBef>
+                <a:spcPct val="20000"/>
+              </a:spcBef>
+              <a:buClr>
+                <a:srgbClr val="FF0000"/>
+              </a:buClr>
+              <a:buFont typeface="Wingdings" pitchFamily="2" charset="2"/>
+              <a:buChar char="§"/>
+              <a:defRPr sz="2400">
+                <a:solidFill>
+                  <a:schemeClr val="tx1"/>
+                </a:solidFill>
+                <a:latin typeface="Calibri" pitchFamily="34" charset="0"/>
+              </a:defRPr>
+            </a:lvl2pPr>
+            <a:lvl3pPr marL="1143000" indent="-228600" eaLnBrk="0" hangingPunct="0">
+              <a:spcBef>
+                <a:spcPct val="20000"/>
+              </a:spcBef>
+              <a:buClr>
+                <a:srgbClr val="00CC00"/>
+              </a:buClr>
+              <a:buFont typeface="Wingdings" pitchFamily="2" charset="2"/>
+              <a:buChar char="§"/>
+              <a:defRPr sz="2000">
+                <a:solidFill>
+                  <a:schemeClr val="tx1"/>
+                </a:solidFill>
+                <a:latin typeface="Calibri" pitchFamily="34" charset="0"/>
+              </a:defRPr>
+            </a:lvl3pPr>
+            <a:lvl4pPr marL="1600200" indent="-228600" eaLnBrk="0" hangingPunct="0">
+              <a:spcBef>
+                <a:spcPct val="20000"/>
+              </a:spcBef>
+              <a:buFont typeface="Arial" charset="0"/>
+              <a:buChar char="–"/>
+              <a:defRPr sz="2000">
+                <a:solidFill>
+                  <a:schemeClr val="tx1"/>
+                </a:solidFill>
+                <a:latin typeface="Calibri" pitchFamily="34" charset="0"/>
+              </a:defRPr>
+            </a:lvl4pPr>
+            <a:lvl5pPr marL="2057400" indent="-228600" eaLnBrk="0" hangingPunct="0">
+              <a:spcBef>
+                <a:spcPct val="20000"/>
+              </a:spcBef>
+              <a:buFont typeface="Arial" charset="0"/>
+              <a:buChar char="»"/>
+              <a:defRPr sz="2000">
+                <a:solidFill>
+                  <a:schemeClr val="tx1"/>
+                </a:solidFill>
+                <a:latin typeface="Calibri" pitchFamily="34" charset="0"/>
+              </a:defRPr>
+            </a:lvl5pPr>
+            <a:lvl6pPr marL="2514600" indent="-228600" eaLnBrk="0" fontAlgn="base" hangingPunct="0">
+              <a:spcBef>
+                <a:spcPct val="20000"/>
+              </a:spcBef>
+              <a:spcAft>
+                <a:spcPct val="0"/>
+              </a:spcAft>
+              <a:buFont typeface="Arial" charset="0"/>
+              <a:buChar char="»"/>
+              <a:defRPr sz="2000">
+                <a:solidFill>
+                  <a:schemeClr val="tx1"/>
+                </a:solidFill>
+                <a:latin typeface="Calibri" pitchFamily="34" charset="0"/>
+              </a:defRPr>
+            </a:lvl6pPr>
+            <a:lvl7pPr marL="2971800" indent="-228600" eaLnBrk="0" fontAlgn="base" hangingPunct="0">
+              <a:spcBef>
+                <a:spcPct val="20000"/>
+              </a:spcBef>
+              <a:spcAft>
+                <a:spcPct val="0"/>
+              </a:spcAft>
+              <a:buFont typeface="Arial" charset="0"/>
+              <a:buChar char="»"/>
+              <a:defRPr sz="2000">
+                <a:solidFill>
+                  <a:schemeClr val="tx1"/>
+                </a:solidFill>
+                <a:latin typeface="Calibri" pitchFamily="34" charset="0"/>
+              </a:defRPr>
+            </a:lvl7pPr>
+            <a:lvl8pPr marL="3429000" indent="-228600" eaLnBrk="0" fontAlgn="base" hangingPunct="0">
+              <a:spcBef>
+                <a:spcPct val="20000"/>
+              </a:spcBef>
+              <a:spcAft>
+                <a:spcPct val="0"/>
+              </a:spcAft>
+              <a:buFont typeface="Arial" charset="0"/>
+              <a:buChar char="»"/>
+              <a:defRPr sz="2000">
+                <a:solidFill>
+                  <a:schemeClr val="tx1"/>
+                </a:solidFill>
+                <a:latin typeface="Calibri" pitchFamily="34" charset="0"/>
+              </a:defRPr>
+            </a:lvl8pPr>
+            <a:lvl9pPr marL="3886200" indent="-228600" eaLnBrk="0" fontAlgn="base" hangingPunct="0">
+              <a:spcBef>
+                <a:spcPct val="20000"/>
+              </a:spcBef>
+              <a:spcAft>
+                <a:spcPct val="0"/>
+              </a:spcAft>
+              <a:buFont typeface="Arial" charset="0"/>
+              <a:buChar char="»"/>
+              <a:defRPr sz="2000">
+                <a:solidFill>
+                  <a:schemeClr val="tx1"/>
+                </a:solidFill>
+                <a:latin typeface="Calibri" pitchFamily="34" charset="0"/>
+              </a:defRPr>
+            </a:lvl9pPr>
+          </a:lstStyle>
+          <a:p>
+            <a:pPr eaLnBrk="1" hangingPunct="1">
+              <a:spcBef>
+                <a:spcPct val="0"/>
+              </a:spcBef>
+              <a:buClrTx/>
+              <a:buFontTx/>
+              <a:buNone/>
+            </a:pPr>
+            <a:r>
+              <a:rPr lang="en-US" altLang="en-US" sz="1200" dirty="0" smtClean="0">
+                <a:solidFill>
+                  <a:srgbClr val="898989"/>
+                </a:solidFill>
+              </a:rPr>
+              <a:t>Luke Walsh</a:t>
+            </a:r>
+            <a:endParaRPr lang="en-US" altLang="en-US" sz="1200" dirty="0" smtClean="0">
+              <a:solidFill>
+                <a:srgbClr val="898989"/>
+              </a:solidFill>
+            </a:endParaRPr>
+          </a:p>
+        </p:txBody>
+      </p:sp>
+      <p:sp>
+        <p:nvSpPr>
+          <p:cNvPr id="5" name="Slide Number Placeholder 4"/>
+          <p:cNvSpPr>
+            <a:spLocks noGrp="1"/>
+          </p:cNvSpPr>
+          <p:nvPr>
+            <p:ph type="sldNum" sz="quarter" idx="12"/>
+          </p:nvPr>
+        </p:nvSpPr>
+        <p:spPr/>
+        <p:txBody>
+          <a:bodyPr/>
+          <a:lstStyle/>
+          <a:p>
+            <a:pPr>
+              <a:defRPr/>
+            </a:pPr>
+            <a:fld id="{76E1BF35-675D-491F-A687-B2C9BE79DFC7}" type="slidenum">
+              <a:rPr lang="en-US" smtClean="0"/>
+              <a:pPr>
+                <a:defRPr/>
+              </a:pPr>
+              <a:t>4</a:t>
+            </a:fld>
+            <a:endParaRPr lang="en-US" dirty="0"/>
+          </a:p>
+        </p:txBody>
+      </p:sp>
+      <p:pic>
+        <p:nvPicPr>
+          <p:cNvPr id="4" name="Picture 3"/>
+          <p:cNvPicPr>
+            <a:picLocks noChangeAspect="1"/>
+          </p:cNvPicPr>
+          <p:nvPr/>
+        </p:nvPicPr>
+        <p:blipFill>
+          <a:blip r:embed="rId2"/>
+          <a:stretch>
+            <a:fillRect/>
+          </a:stretch>
+        </p:blipFill>
+        <p:spPr>
+          <a:xfrm>
+            <a:off x="350303" y="944563"/>
+            <a:ext cx="8443394" cy="4968874"/>
+          </a:xfrm>
+          <a:prstGeom prst="rect">
+            <a:avLst/>
+          </a:prstGeom>
+        </p:spPr>
+      </p:pic>
+    </p:spTree>
+    <p:extLst>
+      <p:ext uri="{BB962C8B-B14F-4D97-AF65-F5344CB8AC3E}">
+        <p14:creationId xmlns:p14="http://schemas.microsoft.com/office/powerpoint/2010/main" val="3931117578"/>
+      </p:ext>
+    </p:extLst>
+  </p:cSld>
+  <p:clrMapOvr>
+    <a:masterClrMapping/>
+  </p:clrMapOvr>
+</p:sld>
+</file>
+
+<file path=ppt/slides/slide5.xml><?xml version="1.0" encoding="utf-8"?>
+<p:sld xmlns:a="http://schemas.openxmlformats.org/drawingml/2006/main" xmlns:r="http://schemas.openxmlformats.org/officeDocument/2006/relationships" xmlns:p="http://schemas.openxmlformats.org/presentationml/2006/main">
+  <p:cSld>
+    <p:spTree>
+      <p:nvGrpSpPr>
+        <p:cNvPr id="1" name=""/>
+        <p:cNvGrpSpPr/>
+        <p:nvPr/>
+      </p:nvGrpSpPr>
+      <p:grpSpPr>
+        <a:xfrm>
+          <a:off x="0" y="0"/>
+          <a:ext cx="0" cy="0"/>
+          <a:chOff x="0" y="0"/>
+          <a:chExt cx="0" cy="0"/>
+        </a:xfrm>
+      </p:grpSpPr>
+      <p:sp>
+        <p:nvSpPr>
+          <p:cNvPr id="6" name="Title 5"/>
+          <p:cNvSpPr>
+            <a:spLocks noGrp="1"/>
+          </p:cNvSpPr>
+          <p:nvPr>
+            <p:ph type="title"/>
+          </p:nvPr>
+        </p:nvSpPr>
+        <p:spPr/>
+        <p:txBody>
+          <a:bodyPr>
+            <a:normAutofit/>
+          </a:bodyPr>
+          <a:lstStyle/>
+          <a:p>
+            <a:r>
+              <a:rPr lang="en-US" dirty="0" smtClean="0"/>
+              <a:t>Technology</a:t>
+            </a:r>
+            <a:endParaRPr lang="en-US" dirty="0"/>
+          </a:p>
+        </p:txBody>
+      </p:sp>
+      <p:sp>
+        <p:nvSpPr>
+          <p:cNvPr id="7" name="Content Placeholder 6"/>
+          <p:cNvSpPr>
+            <a:spLocks noGrp="1"/>
+          </p:cNvSpPr>
+          <p:nvPr>
+            <p:ph idx="1"/>
+          </p:nvPr>
+        </p:nvSpPr>
+        <p:spPr/>
+        <p:txBody>
+          <a:bodyPr/>
+          <a:lstStyle/>
+          <a:p>
+            <a:r>
+              <a:rPr lang="en-US" dirty="0" smtClean="0"/>
+              <a:t>VMWare CentOS virtual machine</a:t>
+            </a:r>
+          </a:p>
+          <a:p>
+            <a:r>
+              <a:rPr lang="en-US" dirty="0" smtClean="0"/>
+              <a:t>Hadoop {version}</a:t>
+            </a:r>
+          </a:p>
+          <a:p>
+            <a:r>
+              <a:rPr lang="en-US" dirty="0" err="1" smtClean="0"/>
+              <a:t>PySpark</a:t>
+            </a:r>
+            <a:r>
+              <a:rPr lang="en-US" dirty="0" smtClean="0"/>
+              <a:t> Streaming</a:t>
+            </a:r>
+            <a:endParaRPr lang="en-US" dirty="0" smtClean="0"/>
+          </a:p>
+          <a:p>
+            <a:r>
+              <a:rPr lang="en-US" dirty="0" smtClean="0"/>
+              <a:t>Python </a:t>
+            </a:r>
+            <a:r>
+              <a:rPr lang="en-US" dirty="0" err="1" smtClean="0"/>
+              <a:t>NLTK</a:t>
+            </a:r>
+            <a:r>
+              <a:rPr lang="en-US" dirty="0" smtClean="0"/>
+              <a:t> library</a:t>
+            </a:r>
+          </a:p>
+          <a:p>
+            <a:r>
+              <a:rPr lang="en-US" dirty="0" smtClean="0"/>
+              <a:t>Python version 3.3</a:t>
+            </a:r>
+          </a:p>
+          <a:p>
+            <a:r>
+              <a:rPr lang="en-US" dirty="0" smtClean="0"/>
+              <a:t>D3.js for visualization</a:t>
+            </a:r>
+          </a:p>
+          <a:p>
+            <a:pPr lvl="1"/>
+            <a:endParaRPr lang="en-US" dirty="0" smtClean="0"/>
+          </a:p>
+        </p:txBody>
+      </p:sp>
+      <p:sp>
+        <p:nvSpPr>
+          <p:cNvPr id="4100" name="Footer Placeholder 3"/>
+          <p:cNvSpPr>
+            <a:spLocks noGrp="1"/>
+          </p:cNvSpPr>
+          <p:nvPr>
+            <p:ph type="ftr" sz="quarter" idx="11"/>
+          </p:nvPr>
+        </p:nvSpPr>
+        <p:spPr bwMode="auto">
+          <a:noFill/>
+          <a:extLst>
+            <a:ext uri="{909E8E84-426E-40DD-AFC4-6F175D3DCCD1}">
+              <a14:hiddenFill xmlns:a14="http://schemas.microsoft.com/office/drawing/2010/main">
+                <a:solidFill>
+                  <a:srgbClr val="FFFFFF"/>
+                </a:solidFill>
+              </a14:hiddenFill>
+            </a:ext>
+            <a:ext uri="{91240B29-F687-4F45-9708-019B960494DF}">
+              <a14:hiddenLine xmlns:a14="http://schemas.microsoft.com/office/drawing/2010/main" w="9525">
+                <a:solidFill>
+                  <a:srgbClr val="000000"/>
+                </a:solidFill>
+                <a:miter lim="800000"/>
+                <a:headEnd/>
+                <a:tailEnd/>
+              </a14:hiddenLine>
+            </a:ext>
+          </a:extLst>
+        </p:spPr>
+        <p:txBody>
+          <a:bodyPr/>
+          <a:lstStyle>
+            <a:lvl1pPr eaLnBrk="0" hangingPunct="0">
+              <a:spcBef>
+                <a:spcPct val="20000"/>
+              </a:spcBef>
+              <a:buClr>
+                <a:schemeClr val="hlink"/>
+              </a:buClr>
+              <a:buFont typeface="Wingdings" pitchFamily="2" charset="2"/>
+              <a:buChar char="§"/>
+              <a:defRPr sz="2800">
+                <a:solidFill>
+                  <a:schemeClr val="tx1"/>
+                </a:solidFill>
+                <a:latin typeface="Calibri" pitchFamily="34" charset="0"/>
+              </a:defRPr>
+            </a:lvl1pPr>
+            <a:lvl2pPr marL="742950" indent="-285750" eaLnBrk="0" hangingPunct="0">
+              <a:spcBef>
+                <a:spcPct val="20000"/>
+              </a:spcBef>
+              <a:buClr>
+                <a:srgbClr val="FF0000"/>
+              </a:buClr>
+              <a:buFont typeface="Wingdings" pitchFamily="2" charset="2"/>
+              <a:buChar char="§"/>
+              <a:defRPr sz="2400">
+                <a:solidFill>
+                  <a:schemeClr val="tx1"/>
+                </a:solidFill>
+                <a:latin typeface="Calibri" pitchFamily="34" charset="0"/>
+              </a:defRPr>
+            </a:lvl2pPr>
+            <a:lvl3pPr marL="1143000" indent="-228600" eaLnBrk="0" hangingPunct="0">
+              <a:spcBef>
+                <a:spcPct val="20000"/>
+              </a:spcBef>
+              <a:buClr>
+                <a:srgbClr val="00CC00"/>
+              </a:buClr>
+              <a:buFont typeface="Wingdings" pitchFamily="2" charset="2"/>
+              <a:buChar char="§"/>
+              <a:defRPr sz="2000">
+                <a:solidFill>
+                  <a:schemeClr val="tx1"/>
+                </a:solidFill>
+                <a:latin typeface="Calibri" pitchFamily="34" charset="0"/>
+              </a:defRPr>
+            </a:lvl3pPr>
+            <a:lvl4pPr marL="1600200" indent="-228600" eaLnBrk="0" hangingPunct="0">
+              <a:spcBef>
+                <a:spcPct val="20000"/>
+              </a:spcBef>
+              <a:buFont typeface="Arial" charset="0"/>
+              <a:buChar char="–"/>
+              <a:defRPr sz="2000">
+                <a:solidFill>
+                  <a:schemeClr val="tx1"/>
+                </a:solidFill>
+                <a:latin typeface="Calibri" pitchFamily="34" charset="0"/>
+              </a:defRPr>
+            </a:lvl4pPr>
+            <a:lvl5pPr marL="2057400" indent="-228600" eaLnBrk="0" hangingPunct="0">
+              <a:spcBef>
+                <a:spcPct val="20000"/>
+              </a:spcBef>
+              <a:buFont typeface="Arial" charset="0"/>
+              <a:buChar char="»"/>
+              <a:defRPr sz="2000">
+                <a:solidFill>
+                  <a:schemeClr val="tx1"/>
+                </a:solidFill>
+                <a:latin typeface="Calibri" pitchFamily="34" charset="0"/>
+              </a:defRPr>
+            </a:lvl5pPr>
+            <a:lvl6pPr marL="2514600" indent="-228600" eaLnBrk="0" fontAlgn="base" hangingPunct="0">
+              <a:spcBef>
+                <a:spcPct val="20000"/>
+              </a:spcBef>
+              <a:spcAft>
+                <a:spcPct val="0"/>
+              </a:spcAft>
+              <a:buFont typeface="Arial" charset="0"/>
+              <a:buChar char="»"/>
+              <a:defRPr sz="2000">
+                <a:solidFill>
+                  <a:schemeClr val="tx1"/>
+                </a:solidFill>
+                <a:latin typeface="Calibri" pitchFamily="34" charset="0"/>
+              </a:defRPr>
+            </a:lvl6pPr>
+            <a:lvl7pPr marL="2971800" indent="-228600" eaLnBrk="0" fontAlgn="base" hangingPunct="0">
+              <a:spcBef>
+                <a:spcPct val="20000"/>
+              </a:spcBef>
+              <a:spcAft>
+                <a:spcPct val="0"/>
+              </a:spcAft>
+              <a:buFont typeface="Arial" charset="0"/>
+              <a:buChar char="»"/>
+              <a:defRPr sz="2000">
+                <a:solidFill>
+                  <a:schemeClr val="tx1"/>
+                </a:solidFill>
+                <a:latin typeface="Calibri" pitchFamily="34" charset="0"/>
+              </a:defRPr>
+            </a:lvl7pPr>
+            <a:lvl8pPr marL="3429000" indent="-228600" eaLnBrk="0" fontAlgn="base" hangingPunct="0">
+              <a:spcBef>
+                <a:spcPct val="20000"/>
+              </a:spcBef>
+              <a:spcAft>
+                <a:spcPct val="0"/>
+              </a:spcAft>
+              <a:buFont typeface="Arial" charset="0"/>
+              <a:buChar char="»"/>
+              <a:defRPr sz="2000">
+                <a:solidFill>
+                  <a:schemeClr val="tx1"/>
+                </a:solidFill>
+                <a:latin typeface="Calibri" pitchFamily="34" charset="0"/>
+              </a:defRPr>
+            </a:lvl8pPr>
+            <a:lvl9pPr marL="3886200" indent="-228600" eaLnBrk="0" fontAlgn="base" hangingPunct="0">
+              <a:spcBef>
+                <a:spcPct val="20000"/>
+              </a:spcBef>
+              <a:spcAft>
+                <a:spcPct val="0"/>
+              </a:spcAft>
+              <a:buFont typeface="Arial" charset="0"/>
+              <a:buChar char="»"/>
+              <a:defRPr sz="2000">
+                <a:solidFill>
+                  <a:schemeClr val="tx1"/>
+                </a:solidFill>
+                <a:latin typeface="Calibri" pitchFamily="34" charset="0"/>
+              </a:defRPr>
+            </a:lvl9pPr>
+          </a:lstStyle>
+          <a:p>
+            <a:pPr eaLnBrk="1" hangingPunct="1">
+              <a:spcBef>
+                <a:spcPct val="0"/>
+              </a:spcBef>
+              <a:buClrTx/>
+              <a:buFontTx/>
+              <a:buNone/>
+            </a:pPr>
+            <a:r>
+              <a:rPr lang="en-US" altLang="en-US" sz="1200" dirty="0" smtClean="0">
+                <a:solidFill>
+                  <a:srgbClr val="898989"/>
+                </a:solidFill>
+              </a:rPr>
+              <a:t>Luke Walsh</a:t>
+            </a:r>
+            <a:endParaRPr lang="en-US" altLang="en-US" sz="1200" dirty="0" smtClean="0">
+              <a:solidFill>
+                <a:srgbClr val="898989"/>
+              </a:solidFill>
+            </a:endParaRPr>
+          </a:p>
+        </p:txBody>
+      </p:sp>
+      <p:sp>
+        <p:nvSpPr>
+          <p:cNvPr id="5" name="Slide Number Placeholder 4"/>
+          <p:cNvSpPr>
+            <a:spLocks noGrp="1"/>
+          </p:cNvSpPr>
+          <p:nvPr>
+            <p:ph type="sldNum" sz="quarter" idx="12"/>
+          </p:nvPr>
+        </p:nvSpPr>
+        <p:spPr/>
+        <p:txBody>
+          <a:bodyPr/>
+          <a:lstStyle/>
+          <a:p>
+            <a:pPr>
+              <a:defRPr/>
+            </a:pPr>
+            <a:fld id="{76E1BF35-675D-491F-A687-B2C9BE79DFC7}" type="slidenum">
+              <a:rPr lang="en-US" smtClean="0"/>
+              <a:pPr>
+                <a:defRPr/>
+              </a:pPr>
+              <a:t>5</a:t>
+            </a:fld>
+            <a:endParaRPr lang="en-US" dirty="0"/>
+          </a:p>
+        </p:txBody>
+      </p:sp>
+    </p:spTree>
+    <p:extLst>
+      <p:ext uri="{BB962C8B-B14F-4D97-AF65-F5344CB8AC3E}">
+        <p14:creationId xmlns:p14="http://schemas.microsoft.com/office/powerpoint/2010/main" val="1585458188"/>
+      </p:ext>
+    </p:extLst>
+  </p:cSld>
+  <p:clrMapOvr>
+    <a:masterClrMapping/>
+  </p:clrMapOvr>
+</p:sld>
+</file>
+
+<file path=ppt/slides/slide6.xml><?xml version="1.0" encoding="utf-8"?>
+<p:sld xmlns:a="http://schemas.openxmlformats.org/drawingml/2006/main" xmlns:r="http://schemas.openxmlformats.org/officeDocument/2006/relationships" xmlns:p="http://schemas.openxmlformats.org/presentationml/2006/main">
+  <p:cSld>
+    <p:spTree>
+      <p:nvGrpSpPr>
+        <p:cNvPr id="1" name=""/>
+        <p:cNvGrpSpPr/>
+        <p:nvPr/>
+      </p:nvGrpSpPr>
+      <p:grpSpPr>
+        <a:xfrm>
+          <a:off x="0" y="0"/>
+          <a:ext cx="0" cy="0"/>
+          <a:chOff x="0" y="0"/>
+          <a:chExt cx="0" cy="0"/>
+        </a:xfrm>
+      </p:grpSpPr>
+      <p:sp>
+        <p:nvSpPr>
+          <p:cNvPr id="6" name="Title 5"/>
+          <p:cNvSpPr>
+            <a:spLocks noGrp="1"/>
+          </p:cNvSpPr>
+          <p:nvPr>
+            <p:ph type="title"/>
+          </p:nvPr>
+        </p:nvSpPr>
+        <p:spPr/>
+        <p:txBody>
+          <a:bodyPr>
+            <a:normAutofit/>
+          </a:bodyPr>
+          <a:lstStyle/>
+          <a:p>
+            <a:r>
+              <a:rPr lang="en-US" dirty="0" smtClean="0"/>
+              <a:t>Process</a:t>
+            </a:r>
+            <a:endParaRPr lang="en-US" dirty="0"/>
+          </a:p>
+        </p:txBody>
+      </p:sp>
+      <p:sp>
+        <p:nvSpPr>
+          <p:cNvPr id="7" name="Content Placeholder 6"/>
+          <p:cNvSpPr>
+            <a:spLocks noGrp="1"/>
+          </p:cNvSpPr>
+          <p:nvPr>
+            <p:ph idx="1"/>
+          </p:nvPr>
+        </p:nvSpPr>
+        <p:spPr/>
+        <p:txBody>
+          <a:bodyPr/>
+          <a:lstStyle/>
+          <a:p>
+            <a:pPr marL="400050">
+              <a:buFont typeface="+mj-lt"/>
+              <a:buAutoNum type="arabicPeriod"/>
+            </a:pPr>
+            <a:r>
+              <a:rPr lang="en-US" dirty="0" smtClean="0"/>
+              <a:t>Train a model that will classify Tweets as positive or negative</a:t>
+            </a:r>
+          </a:p>
+          <a:p>
+            <a:pPr marL="400050">
+              <a:buFont typeface="+mj-lt"/>
+              <a:buAutoNum type="arabicPeriod"/>
+            </a:pPr>
+            <a:r>
+              <a:rPr lang="en-US" dirty="0" smtClean="0"/>
+              <a:t> Set up Twitter stream and format incoming tweets to run through the model</a:t>
+            </a:r>
+          </a:p>
+          <a:p>
+            <a:pPr marL="400050">
+              <a:buFont typeface="+mj-lt"/>
+              <a:buAutoNum type="arabicPeriod"/>
+            </a:pPr>
+            <a:r>
+              <a:rPr lang="en-US" dirty="0" smtClean="0"/>
+              <a:t>Run batches of Tweets through the classifier and capture results</a:t>
+            </a:r>
+          </a:p>
+          <a:p>
+            <a:pPr marL="400050">
+              <a:buFont typeface="+mj-lt"/>
+              <a:buAutoNum type="arabicPeriod"/>
+            </a:pPr>
+            <a:r>
+              <a:rPr lang="en-US" dirty="0" smtClean="0"/>
+              <a:t>Visualize</a:t>
+            </a:r>
+          </a:p>
+          <a:p>
+            <a:pPr marL="800100" lvl="1" indent="-342900">
+              <a:buFont typeface="+mj-lt"/>
+              <a:buAutoNum type="arabicPeriod"/>
+            </a:pPr>
+            <a:endParaRPr lang="en-US" dirty="0" smtClean="0"/>
+          </a:p>
+        </p:txBody>
+      </p:sp>
+      <p:sp>
+        <p:nvSpPr>
+          <p:cNvPr id="4100" name="Footer Placeholder 3"/>
+          <p:cNvSpPr>
+            <a:spLocks noGrp="1"/>
+          </p:cNvSpPr>
+          <p:nvPr>
+            <p:ph type="ftr" sz="quarter" idx="11"/>
+          </p:nvPr>
+        </p:nvSpPr>
+        <p:spPr bwMode="auto">
+          <a:noFill/>
+          <a:extLst>
+            <a:ext uri="{909E8E84-426E-40DD-AFC4-6F175D3DCCD1}">
+              <a14:hiddenFill xmlns:a14="http://schemas.microsoft.com/office/drawing/2010/main">
+                <a:solidFill>
+                  <a:srgbClr val="FFFFFF"/>
+                </a:solidFill>
+              </a14:hiddenFill>
+            </a:ext>
+            <a:ext uri="{91240B29-F687-4F45-9708-019B960494DF}">
+              <a14:hiddenLine xmlns:a14="http://schemas.microsoft.com/office/drawing/2010/main" w="9525">
+                <a:solidFill>
+                  <a:srgbClr val="000000"/>
+                </a:solidFill>
+                <a:miter lim="800000"/>
+                <a:headEnd/>
+                <a:tailEnd/>
+              </a14:hiddenLine>
+            </a:ext>
+          </a:extLst>
+        </p:spPr>
+        <p:txBody>
+          <a:bodyPr/>
+          <a:lstStyle>
+            <a:lvl1pPr eaLnBrk="0" hangingPunct="0">
+              <a:spcBef>
+                <a:spcPct val="20000"/>
+              </a:spcBef>
+              <a:buClr>
+                <a:schemeClr val="hlink"/>
+              </a:buClr>
+              <a:buFont typeface="Wingdings" pitchFamily="2" charset="2"/>
+              <a:buChar char="§"/>
+              <a:defRPr sz="2800">
+                <a:solidFill>
+                  <a:schemeClr val="tx1"/>
+                </a:solidFill>
+                <a:latin typeface="Calibri" pitchFamily="34" charset="0"/>
+              </a:defRPr>
+            </a:lvl1pPr>
+            <a:lvl2pPr marL="742950" indent="-285750" eaLnBrk="0" hangingPunct="0">
+              <a:spcBef>
+                <a:spcPct val="20000"/>
+              </a:spcBef>
+              <a:buClr>
+                <a:srgbClr val="FF0000"/>
+              </a:buClr>
+              <a:buFont typeface="Wingdings" pitchFamily="2" charset="2"/>
+              <a:buChar char="§"/>
+              <a:defRPr sz="2400">
+                <a:solidFill>
+                  <a:schemeClr val="tx1"/>
+                </a:solidFill>
+                <a:latin typeface="Calibri" pitchFamily="34" charset="0"/>
+              </a:defRPr>
+            </a:lvl2pPr>
+            <a:lvl3pPr marL="1143000" indent="-228600" eaLnBrk="0" hangingPunct="0">
+              <a:spcBef>
+                <a:spcPct val="20000"/>
+              </a:spcBef>
+              <a:buClr>
+                <a:srgbClr val="00CC00"/>
+              </a:buClr>
+              <a:buFont typeface="Wingdings" pitchFamily="2" charset="2"/>
+              <a:buChar char="§"/>
+              <a:defRPr sz="2000">
+                <a:solidFill>
+                  <a:schemeClr val="tx1"/>
+                </a:solidFill>
+                <a:latin typeface="Calibri" pitchFamily="34" charset="0"/>
+              </a:defRPr>
+            </a:lvl3pPr>
+            <a:lvl4pPr marL="1600200" indent="-228600" eaLnBrk="0" hangingPunct="0">
+              <a:spcBef>
+                <a:spcPct val="20000"/>
+              </a:spcBef>
+              <a:buFont typeface="Arial" charset="0"/>
+              <a:buChar char="–"/>
+              <a:defRPr sz="2000">
+                <a:solidFill>
+                  <a:schemeClr val="tx1"/>
+                </a:solidFill>
+                <a:latin typeface="Calibri" pitchFamily="34" charset="0"/>
+              </a:defRPr>
+            </a:lvl4pPr>
+            <a:lvl5pPr marL="2057400" indent="-228600" eaLnBrk="0" hangingPunct="0">
+              <a:spcBef>
+                <a:spcPct val="20000"/>
+              </a:spcBef>
+              <a:buFont typeface="Arial" charset="0"/>
+              <a:buChar char="»"/>
+              <a:defRPr sz="2000">
+                <a:solidFill>
+                  <a:schemeClr val="tx1"/>
+                </a:solidFill>
+                <a:latin typeface="Calibri" pitchFamily="34" charset="0"/>
+              </a:defRPr>
+            </a:lvl5pPr>
+            <a:lvl6pPr marL="2514600" indent="-228600" eaLnBrk="0" fontAlgn="base" hangingPunct="0">
+              <a:spcBef>
+                <a:spcPct val="20000"/>
+              </a:spcBef>
+              <a:spcAft>
+                <a:spcPct val="0"/>
+              </a:spcAft>
+              <a:buFont typeface="Arial" charset="0"/>
+              <a:buChar char="»"/>
+              <a:defRPr sz="2000">
+                <a:solidFill>
+                  <a:schemeClr val="tx1"/>
+                </a:solidFill>
+                <a:latin typeface="Calibri" pitchFamily="34" charset="0"/>
+              </a:defRPr>
+            </a:lvl6pPr>
+            <a:lvl7pPr marL="2971800" indent="-228600" eaLnBrk="0" fontAlgn="base" hangingPunct="0">
+              <a:spcBef>
+                <a:spcPct val="20000"/>
+              </a:spcBef>
+              <a:spcAft>
+                <a:spcPct val="0"/>
+              </a:spcAft>
+              <a:buFont typeface="Arial" charset="0"/>
+              <a:buChar char="»"/>
+              <a:defRPr sz="2000">
+                <a:solidFill>
+                  <a:schemeClr val="tx1"/>
+                </a:solidFill>
+                <a:latin typeface="Calibri" pitchFamily="34" charset="0"/>
+              </a:defRPr>
+            </a:lvl7pPr>
+            <a:lvl8pPr marL="3429000" indent="-228600" eaLnBrk="0" fontAlgn="base" hangingPunct="0">
+              <a:spcBef>
+                <a:spcPct val="20000"/>
+              </a:spcBef>
+              <a:spcAft>
+                <a:spcPct val="0"/>
+              </a:spcAft>
+              <a:buFont typeface="Arial" charset="0"/>
+              <a:buChar char="»"/>
+              <a:defRPr sz="2000">
+                <a:solidFill>
+                  <a:schemeClr val="tx1"/>
+                </a:solidFill>
+                <a:latin typeface="Calibri" pitchFamily="34" charset="0"/>
+              </a:defRPr>
+            </a:lvl8pPr>
+            <a:lvl9pPr marL="3886200" indent="-228600" eaLnBrk="0" fontAlgn="base" hangingPunct="0">
+              <a:spcBef>
+                <a:spcPct val="20000"/>
+              </a:spcBef>
+              <a:spcAft>
+                <a:spcPct val="0"/>
+              </a:spcAft>
+              <a:buFont typeface="Arial" charset="0"/>
+              <a:buChar char="»"/>
+              <a:defRPr sz="2000">
+                <a:solidFill>
+                  <a:schemeClr val="tx1"/>
+                </a:solidFill>
+                <a:latin typeface="Calibri" pitchFamily="34" charset="0"/>
+              </a:defRPr>
+            </a:lvl9pPr>
+          </a:lstStyle>
+          <a:p>
+            <a:pPr eaLnBrk="1" hangingPunct="1">
+              <a:spcBef>
+                <a:spcPct val="0"/>
+              </a:spcBef>
+              <a:buClrTx/>
+              <a:buFontTx/>
+              <a:buNone/>
+            </a:pPr>
+            <a:r>
+              <a:rPr lang="en-US" altLang="en-US" sz="1200" dirty="0" smtClean="0">
+                <a:solidFill>
+                  <a:srgbClr val="898989"/>
+                </a:solidFill>
+              </a:rPr>
+              <a:t>Luke Walsh</a:t>
+            </a:r>
+            <a:endParaRPr lang="en-US" altLang="en-US" sz="1200" dirty="0" smtClean="0">
+              <a:solidFill>
+                <a:srgbClr val="898989"/>
+              </a:solidFill>
+            </a:endParaRPr>
+          </a:p>
+        </p:txBody>
+      </p:sp>
+      <p:sp>
+        <p:nvSpPr>
+          <p:cNvPr id="5" name="Slide Number Placeholder 4"/>
+          <p:cNvSpPr>
+            <a:spLocks noGrp="1"/>
+          </p:cNvSpPr>
+          <p:nvPr>
+            <p:ph type="sldNum" sz="quarter" idx="12"/>
+          </p:nvPr>
+        </p:nvSpPr>
+        <p:spPr/>
+        <p:txBody>
+          <a:bodyPr/>
+          <a:lstStyle/>
+          <a:p>
+            <a:pPr>
+              <a:defRPr/>
+            </a:pPr>
+            <a:fld id="{76E1BF35-675D-491F-A687-B2C9BE79DFC7}" type="slidenum">
+              <a:rPr lang="en-US" smtClean="0"/>
+              <a:pPr>
+                <a:defRPr/>
+              </a:pPr>
+              <a:t>6</a:t>
+            </a:fld>
+            <a:endParaRPr lang="en-US" dirty="0"/>
+          </a:p>
+        </p:txBody>
+      </p:sp>
+    </p:spTree>
+    <p:extLst>
+      <p:ext uri="{BB962C8B-B14F-4D97-AF65-F5344CB8AC3E}">
+        <p14:creationId xmlns:p14="http://schemas.microsoft.com/office/powerpoint/2010/main" val="2782324747"/>
+      </p:ext>
+    </p:extLst>
+  </p:cSld>
+  <p:clrMapOvr>
+    <a:masterClrMapping/>
+  </p:clrMapOvr>
+</p:sld>
+</file>
+
+<file path=ppt/slides/slide7.xml><?xml version="1.0" encoding="utf-8"?>
+<p:sld xmlns:a="http://schemas.openxmlformats.org/drawingml/2006/main" xmlns:r="http://schemas.openxmlformats.org/officeDocument/2006/relationships" xmlns:p="http://schemas.openxmlformats.org/presentationml/2006/main">
+  <p:cSld>
+    <p:spTree>
+      <p:nvGrpSpPr>
+        <p:cNvPr id="1" name=""/>
+        <p:cNvGrpSpPr/>
+        <p:nvPr/>
+      </p:nvGrpSpPr>
+      <p:grpSpPr>
+        <a:xfrm>
+          <a:off x="0" y="0"/>
+          <a:ext cx="0" cy="0"/>
+          <a:chOff x="0" y="0"/>
+          <a:chExt cx="0" cy="0"/>
+        </a:xfrm>
+      </p:grpSpPr>
+      <p:sp>
+        <p:nvSpPr>
+          <p:cNvPr id="6" name="Title 5"/>
+          <p:cNvSpPr>
+            <a:spLocks noGrp="1"/>
+          </p:cNvSpPr>
+          <p:nvPr>
+            <p:ph type="title"/>
+          </p:nvPr>
+        </p:nvSpPr>
+        <p:spPr/>
+        <p:txBody>
+          <a:bodyPr>
+            <a:noAutofit/>
+          </a:bodyPr>
+          <a:lstStyle/>
+          <a:p>
+            <a:pPr marL="457200" lvl="1"/>
+            <a:r>
+              <a:rPr lang="en-US" sz="3200" kern="1200" dirty="0" smtClean="0">
+                <a:solidFill>
+                  <a:srgbClr val="0070C0"/>
+                </a:solidFill>
+                <a:latin typeface="+mj-lt"/>
+                <a:ea typeface="+mj-ea"/>
+                <a:cs typeface="+mj-cs"/>
+              </a:rPr>
+              <a:t>1. Train Model</a:t>
+            </a:r>
+            <a:endParaRPr lang="en-US" sz="3200" kern="1200" dirty="0">
+              <a:solidFill>
+                <a:srgbClr val="0070C0"/>
+              </a:solidFill>
+              <a:latin typeface="+mj-lt"/>
+              <a:ea typeface="+mj-ea"/>
+              <a:cs typeface="+mj-cs"/>
+            </a:endParaRPr>
+          </a:p>
+        </p:txBody>
+      </p:sp>
+      <p:sp>
+        <p:nvSpPr>
+          <p:cNvPr id="7" name="Content Placeholder 6"/>
+          <p:cNvSpPr>
+            <a:spLocks noGrp="1"/>
+          </p:cNvSpPr>
+          <p:nvPr>
+            <p:ph idx="1"/>
+          </p:nvPr>
+        </p:nvSpPr>
+        <p:spPr/>
+        <p:txBody>
+          <a:bodyPr/>
+          <a:lstStyle/>
+          <a:p>
+            <a:r>
+              <a:rPr lang="en-US" dirty="0" smtClean="0"/>
+              <a:t>Training dataset is ~1.5 million Tweets already classified (static)</a:t>
+            </a:r>
+          </a:p>
+          <a:p>
+            <a:r>
+              <a:rPr lang="en-US" dirty="0" smtClean="0"/>
+              <a:t>Used </a:t>
+            </a:r>
+            <a:r>
+              <a:rPr lang="en-US" dirty="0" err="1" smtClean="0"/>
+              <a:t>SentimentAnalyzer</a:t>
+            </a:r>
+            <a:r>
+              <a:rPr lang="en-US" dirty="0" smtClean="0"/>
+              <a:t> (</a:t>
+            </a:r>
+            <a:r>
+              <a:rPr lang="en-US" dirty="0" err="1" smtClean="0"/>
+              <a:t>NLTK</a:t>
+            </a:r>
+            <a:r>
+              <a:rPr lang="en-US" dirty="0" smtClean="0"/>
+              <a:t> package) to:</a:t>
+            </a:r>
+          </a:p>
+          <a:p>
+            <a:pPr lvl="1"/>
+            <a:r>
+              <a:rPr lang="en-US" dirty="0"/>
+              <a:t>Apply negation to </a:t>
+            </a:r>
+            <a:r>
+              <a:rPr lang="en-US" dirty="0" smtClean="0"/>
+              <a:t>all words (</a:t>
+            </a:r>
+            <a:r>
+              <a:rPr lang="en-US" dirty="0" err="1" smtClean="0"/>
+              <a:t>e.x</a:t>
+            </a:r>
+            <a:r>
+              <a:rPr lang="en-US" dirty="0" smtClean="0"/>
+              <a:t>. ‘not good’ becomes ‘</a:t>
+            </a:r>
+            <a:r>
+              <a:rPr lang="en-US" dirty="0" err="1" smtClean="0"/>
+              <a:t>good_NEG</a:t>
+            </a:r>
+            <a:r>
+              <a:rPr lang="en-US" dirty="0" smtClean="0"/>
+              <a:t>’)</a:t>
+            </a:r>
+            <a:endParaRPr lang="en-US" dirty="0" smtClean="0"/>
+          </a:p>
+          <a:p>
+            <a:pPr lvl="1"/>
+            <a:r>
+              <a:rPr lang="en-US" dirty="0" smtClean="0"/>
+              <a:t>Break Tweets into unigrams (so ‘</a:t>
+            </a:r>
+            <a:r>
+              <a:rPr lang="en-US" dirty="0" err="1" smtClean="0"/>
+              <a:t>good_NEG</a:t>
+            </a:r>
+            <a:r>
+              <a:rPr lang="en-US" dirty="0" smtClean="0"/>
+              <a:t>’ would be counted as a unigram)</a:t>
+            </a:r>
+          </a:p>
+          <a:p>
+            <a:pPr lvl="1"/>
+            <a:r>
+              <a:rPr lang="en-US" dirty="0" smtClean="0"/>
+              <a:t>Remove all </a:t>
+            </a:r>
+            <a:r>
+              <a:rPr lang="en-US" dirty="0" err="1" smtClean="0"/>
+              <a:t>stopwords</a:t>
+            </a:r>
+            <a:r>
+              <a:rPr lang="en-US" dirty="0" smtClean="0"/>
+              <a:t> so the features of the model aren’t words like ‘the’</a:t>
+            </a:r>
+          </a:p>
+          <a:p>
+            <a:pPr lvl="1"/>
+            <a:r>
+              <a:rPr lang="en-US" dirty="0" smtClean="0"/>
+              <a:t>Extract the top 200 common unigrams to use in the classification model</a:t>
+            </a:r>
+          </a:p>
+          <a:p>
+            <a:r>
+              <a:rPr lang="en-US" dirty="0" smtClean="0"/>
+              <a:t>Train a classifier model -Python </a:t>
+            </a:r>
+            <a:r>
+              <a:rPr lang="en-US" dirty="0" err="1" smtClean="0"/>
+              <a:t>NaiveBayesClassifier</a:t>
+            </a:r>
+            <a:r>
+              <a:rPr lang="en-US" dirty="0" smtClean="0"/>
+              <a:t> (</a:t>
+            </a:r>
+            <a:r>
+              <a:rPr lang="en-US" dirty="0" err="1" smtClean="0"/>
+              <a:t>NLTK</a:t>
+            </a:r>
+            <a:r>
+              <a:rPr lang="en-US" dirty="0" smtClean="0"/>
+              <a:t> package)</a:t>
+            </a:r>
+          </a:p>
+          <a:p>
+            <a:r>
+              <a:rPr lang="en-US" dirty="0" smtClean="0"/>
+              <a:t>Test the model on some sentences:</a:t>
+            </a:r>
+          </a:p>
+          <a:p>
+            <a:pPr lvl="1"/>
+            <a:r>
+              <a:rPr lang="en-US" dirty="0"/>
+              <a:t>test_sentence1 = [(['this', 'program', 'is', '</a:t>
+            </a:r>
+            <a:r>
+              <a:rPr lang="en-US" dirty="0" err="1"/>
+              <a:t>good_NEG</a:t>
+            </a:r>
+            <a:r>
+              <a:rPr lang="en-US" dirty="0"/>
+              <a:t>'], '')]</a:t>
+            </a:r>
+            <a:endParaRPr lang="en-US" dirty="0" smtClean="0"/>
+          </a:p>
+          <a:p>
+            <a:endParaRPr lang="en-US" dirty="0" smtClean="0"/>
+          </a:p>
+        </p:txBody>
+      </p:sp>
+      <p:sp>
+        <p:nvSpPr>
+          <p:cNvPr id="4100" name="Footer Placeholder 3"/>
+          <p:cNvSpPr>
+            <a:spLocks noGrp="1"/>
+          </p:cNvSpPr>
+          <p:nvPr>
+            <p:ph type="ftr" sz="quarter" idx="11"/>
+          </p:nvPr>
+        </p:nvSpPr>
+        <p:spPr bwMode="auto">
+          <a:noFill/>
+          <a:extLst>
+            <a:ext uri="{909E8E84-426E-40DD-AFC4-6F175D3DCCD1}">
+              <a14:hiddenFill xmlns:a14="http://schemas.microsoft.com/office/drawing/2010/main">
+                <a:solidFill>
+                  <a:srgbClr val="FFFFFF"/>
+                </a:solidFill>
+              </a14:hiddenFill>
+            </a:ext>
+            <a:ext uri="{91240B29-F687-4F45-9708-019B960494DF}">
+              <a14:hiddenLine xmlns:a14="http://schemas.microsoft.com/office/drawing/2010/main" w="9525">
+                <a:solidFill>
+                  <a:srgbClr val="000000"/>
+                </a:solidFill>
+                <a:miter lim="800000"/>
+                <a:headEnd/>
+                <a:tailEnd/>
+              </a14:hiddenLine>
+            </a:ext>
+          </a:extLst>
+        </p:spPr>
+        <p:txBody>
+          <a:bodyPr/>
+          <a:lstStyle>
+            <a:lvl1pPr eaLnBrk="0" hangingPunct="0">
+              <a:spcBef>
+                <a:spcPct val="20000"/>
+              </a:spcBef>
+              <a:buClr>
+                <a:schemeClr val="hlink"/>
+              </a:buClr>
+              <a:buFont typeface="Wingdings" pitchFamily="2" charset="2"/>
+              <a:buChar char="§"/>
+              <a:defRPr sz="2800">
+                <a:solidFill>
+                  <a:schemeClr val="tx1"/>
+                </a:solidFill>
+                <a:latin typeface="Calibri" pitchFamily="34" charset="0"/>
+              </a:defRPr>
+            </a:lvl1pPr>
+            <a:lvl2pPr marL="742950" indent="-285750" eaLnBrk="0" hangingPunct="0">
+              <a:spcBef>
+                <a:spcPct val="20000"/>
+              </a:spcBef>
+              <a:buClr>
+                <a:srgbClr val="FF0000"/>
+              </a:buClr>
+              <a:buFont typeface="Wingdings" pitchFamily="2" charset="2"/>
+              <a:buChar char="§"/>
+              <a:defRPr sz="2400">
+                <a:solidFill>
+                  <a:schemeClr val="tx1"/>
+                </a:solidFill>
+                <a:latin typeface="Calibri" pitchFamily="34" charset="0"/>
+              </a:defRPr>
+            </a:lvl2pPr>
+            <a:lvl3pPr marL="1143000" indent="-228600" eaLnBrk="0" hangingPunct="0">
+              <a:spcBef>
+                <a:spcPct val="20000"/>
+              </a:spcBef>
+              <a:buClr>
+                <a:srgbClr val="00CC00"/>
+              </a:buClr>
+              <a:buFont typeface="Wingdings" pitchFamily="2" charset="2"/>
+              <a:buChar char="§"/>
+              <a:defRPr sz="2000">
+                <a:solidFill>
+                  <a:schemeClr val="tx1"/>
+                </a:solidFill>
+                <a:latin typeface="Calibri" pitchFamily="34" charset="0"/>
+              </a:defRPr>
+            </a:lvl3pPr>
+            <a:lvl4pPr marL="1600200" indent="-228600" eaLnBrk="0" hangingPunct="0">
+              <a:spcBef>
+                <a:spcPct val="20000"/>
+              </a:spcBef>
+              <a:buFont typeface="Arial" charset="0"/>
+              <a:buChar char="–"/>
+              <a:defRPr sz="2000">
+                <a:solidFill>
+                  <a:schemeClr val="tx1"/>
+                </a:solidFill>
+                <a:latin typeface="Calibri" pitchFamily="34" charset="0"/>
+              </a:defRPr>
+            </a:lvl4pPr>
+            <a:lvl5pPr marL="2057400" indent="-228600" eaLnBrk="0" hangingPunct="0">
+              <a:spcBef>
+                <a:spcPct val="20000"/>
+              </a:spcBef>
+              <a:buFont typeface="Arial" charset="0"/>
+              <a:buChar char="»"/>
+              <a:defRPr sz="2000">
+                <a:solidFill>
+                  <a:schemeClr val="tx1"/>
+                </a:solidFill>
+                <a:latin typeface="Calibri" pitchFamily="34" charset="0"/>
+              </a:defRPr>
+            </a:lvl5pPr>
+            <a:lvl6pPr marL="2514600" indent="-228600" eaLnBrk="0" fontAlgn="base" hangingPunct="0">
+              <a:spcBef>
+                <a:spcPct val="20000"/>
+              </a:spcBef>
+              <a:spcAft>
+                <a:spcPct val="0"/>
+              </a:spcAft>
+              <a:buFont typeface="Arial" charset="0"/>
+              <a:buChar char="»"/>
+              <a:defRPr sz="2000">
+                <a:solidFill>
+                  <a:schemeClr val="tx1"/>
+                </a:solidFill>
+                <a:latin typeface="Calibri" pitchFamily="34" charset="0"/>
+              </a:defRPr>
+            </a:lvl6pPr>
+            <a:lvl7pPr marL="2971800" indent="-228600" eaLnBrk="0" fontAlgn="base" hangingPunct="0">
+              <a:spcBef>
+                <a:spcPct val="20000"/>
+              </a:spcBef>
+              <a:spcAft>
+                <a:spcPct val="0"/>
+              </a:spcAft>
+              <a:buFont typeface="Arial" charset="0"/>
+              <a:buChar char="»"/>
+              <a:defRPr sz="2000">
+                <a:solidFill>
+                  <a:schemeClr val="tx1"/>
+                </a:solidFill>
+                <a:latin typeface="Calibri" pitchFamily="34" charset="0"/>
+              </a:defRPr>
+            </a:lvl7pPr>
+            <a:lvl8pPr marL="3429000" indent="-228600" eaLnBrk="0" fontAlgn="base" hangingPunct="0">
+              <a:spcBef>
+                <a:spcPct val="20000"/>
+              </a:spcBef>
+              <a:spcAft>
+                <a:spcPct val="0"/>
+              </a:spcAft>
+              <a:buFont typeface="Arial" charset="0"/>
+              <a:buChar char="»"/>
+              <a:defRPr sz="2000">
+                <a:solidFill>
+                  <a:schemeClr val="tx1"/>
+                </a:solidFill>
+                <a:latin typeface="Calibri" pitchFamily="34" charset="0"/>
+              </a:defRPr>
+            </a:lvl8pPr>
+            <a:lvl9pPr marL="3886200" indent="-228600" eaLnBrk="0" fontAlgn="base" hangingPunct="0">
+              <a:spcBef>
+                <a:spcPct val="20000"/>
+              </a:spcBef>
+              <a:spcAft>
+                <a:spcPct val="0"/>
+              </a:spcAft>
+              <a:buFont typeface="Arial" charset="0"/>
+              <a:buChar char="»"/>
+              <a:defRPr sz="2000">
+                <a:solidFill>
+                  <a:schemeClr val="tx1"/>
+                </a:solidFill>
+                <a:latin typeface="Calibri" pitchFamily="34" charset="0"/>
+              </a:defRPr>
+            </a:lvl9pPr>
+          </a:lstStyle>
+          <a:p>
+            <a:pPr eaLnBrk="1" hangingPunct="1">
+              <a:spcBef>
+                <a:spcPct val="0"/>
+              </a:spcBef>
+              <a:buClrTx/>
+              <a:buFontTx/>
+              <a:buNone/>
+            </a:pPr>
+            <a:r>
+              <a:rPr lang="en-US" altLang="en-US" sz="1200" dirty="0" smtClean="0">
+                <a:solidFill>
+                  <a:srgbClr val="898989"/>
+                </a:solidFill>
+              </a:rPr>
+              <a:t>Luke Walsh</a:t>
+            </a:r>
+            <a:endParaRPr lang="en-US" altLang="en-US" sz="1200" dirty="0" smtClean="0">
+              <a:solidFill>
+                <a:srgbClr val="898989"/>
+              </a:solidFill>
+            </a:endParaRPr>
+          </a:p>
+        </p:txBody>
+      </p:sp>
+      <p:sp>
+        <p:nvSpPr>
+          <p:cNvPr id="5" name="Slide Number Placeholder 4"/>
+          <p:cNvSpPr>
+            <a:spLocks noGrp="1"/>
+          </p:cNvSpPr>
+          <p:nvPr>
+            <p:ph type="sldNum" sz="quarter" idx="12"/>
+          </p:nvPr>
+        </p:nvSpPr>
+        <p:spPr/>
+        <p:txBody>
+          <a:bodyPr/>
+          <a:lstStyle/>
+          <a:p>
+            <a:pPr>
+              <a:defRPr/>
+            </a:pPr>
+            <a:fld id="{76E1BF35-675D-491F-A687-B2C9BE79DFC7}" type="slidenum">
+              <a:rPr lang="en-US" smtClean="0"/>
+              <a:pPr>
+                <a:defRPr/>
+              </a:pPr>
+              <a:t>7</a:t>
+            </a:fld>
+            <a:endParaRPr lang="en-US" dirty="0"/>
+          </a:p>
+        </p:txBody>
+      </p:sp>
+    </p:spTree>
+    <p:extLst>
+      <p:ext uri="{BB962C8B-B14F-4D97-AF65-F5344CB8AC3E}">
+        <p14:creationId xmlns:p14="http://schemas.microsoft.com/office/powerpoint/2010/main" val="1683507205"/>
+      </p:ext>
+    </p:extLst>
+  </p:cSld>
+  <p:clrMapOvr>
+    <a:masterClrMapping/>
+  </p:clrMapOvr>
+</p:sld>
+</file>
+
+<file path=ppt/slides/slide8.xml><?xml version="1.0" encoding="utf-8"?>
+<p:sld xmlns:a="http://schemas.openxmlformats.org/drawingml/2006/main" xmlns:r="http://schemas.openxmlformats.org/officeDocument/2006/relationships" xmlns:p="http://schemas.openxmlformats.org/presentationml/2006/main">
+  <p:cSld>
+    <p:spTree>
+      <p:nvGrpSpPr>
+        <p:cNvPr id="1" name=""/>
+        <p:cNvGrpSpPr/>
+        <p:nvPr/>
+      </p:nvGrpSpPr>
+      <p:grpSpPr>
+        <a:xfrm>
+          <a:off x="0" y="0"/>
+          <a:ext cx="0" cy="0"/>
+          <a:chOff x="0" y="0"/>
+          <a:chExt cx="0" cy="0"/>
+        </a:xfrm>
+      </p:grpSpPr>
+      <p:sp>
+        <p:nvSpPr>
+          <p:cNvPr id="6" name="Title 5"/>
+          <p:cNvSpPr>
+            <a:spLocks noGrp="1"/>
+          </p:cNvSpPr>
+          <p:nvPr>
+            <p:ph type="title"/>
+          </p:nvPr>
+        </p:nvSpPr>
+        <p:spPr/>
+        <p:txBody>
+          <a:bodyPr>
+            <a:normAutofit/>
+          </a:bodyPr>
+          <a:lstStyle/>
+          <a:p>
+            <a:pPr marL="457200" lvl="1"/>
+            <a:r>
+              <a:rPr lang="en-US" sz="3200" kern="1200" dirty="0" smtClean="0">
+                <a:solidFill>
+                  <a:srgbClr val="0070C0"/>
+                </a:solidFill>
+                <a:latin typeface="+mj-lt"/>
+                <a:ea typeface="+mj-ea"/>
+                <a:cs typeface="+mj-cs"/>
+              </a:rPr>
+              <a:t>2. Connect Twitter Stream</a:t>
+            </a:r>
+            <a:endParaRPr lang="en-US" sz="3200" kern="1200" dirty="0">
+              <a:solidFill>
+                <a:srgbClr val="0070C0"/>
+              </a:solidFill>
+              <a:latin typeface="+mj-lt"/>
+              <a:ea typeface="+mj-ea"/>
+              <a:cs typeface="+mj-cs"/>
+            </a:endParaRPr>
+          </a:p>
+        </p:txBody>
+      </p:sp>
+      <p:sp>
+        <p:nvSpPr>
+          <p:cNvPr id="7" name="Content Placeholder 6"/>
+          <p:cNvSpPr>
+            <a:spLocks noGrp="1"/>
+          </p:cNvSpPr>
+          <p:nvPr>
+            <p:ph idx="1"/>
+          </p:nvPr>
+        </p:nvSpPr>
+        <p:spPr/>
+        <p:txBody>
+          <a:bodyPr/>
+          <a:lstStyle/>
+          <a:p>
+            <a:r>
+              <a:rPr lang="en-US" dirty="0" smtClean="0"/>
+              <a:t>Need to create app on Twitter’s developer webpage and deal with API key’s/secret and user token/secret</a:t>
+            </a:r>
+          </a:p>
+          <a:p>
+            <a:pPr lvl="1"/>
+            <a:r>
+              <a:rPr lang="en-US" dirty="0"/>
+              <a:t>For more info: </a:t>
+            </a:r>
+            <a:r>
+              <a:rPr lang="en-US" dirty="0">
+                <a:hlinkClick r:id="rId2"/>
+              </a:rPr>
+              <a:t>https://</a:t>
+            </a:r>
+            <a:r>
+              <a:rPr lang="en-US" dirty="0" smtClean="0">
+                <a:hlinkClick r:id="rId2"/>
+              </a:rPr>
+              <a:t>dev.twitter.com/oauth/overview</a:t>
+            </a:r>
+            <a:endParaRPr lang="en-US" dirty="0" smtClean="0"/>
+          </a:p>
+          <a:p>
+            <a:r>
+              <a:rPr lang="en-US" dirty="0" smtClean="0"/>
+              <a:t>Use Python’s requests and </a:t>
+            </a:r>
+            <a:r>
+              <a:rPr lang="en-US" dirty="0" err="1" smtClean="0"/>
+              <a:t>requests_oauthlib</a:t>
+            </a:r>
+            <a:r>
+              <a:rPr lang="en-US" dirty="0" smtClean="0"/>
+              <a:t> packages to setup connection</a:t>
+            </a:r>
+          </a:p>
+          <a:p>
+            <a:pPr lvl="1"/>
+            <a:r>
+              <a:rPr lang="en-US" dirty="0" err="1" smtClean="0"/>
+              <a:t>Requests_oauthlib</a:t>
+            </a:r>
+            <a:r>
+              <a:rPr lang="en-US" dirty="0" smtClean="0"/>
+              <a:t> – handles authorization</a:t>
+            </a:r>
+          </a:p>
+          <a:p>
+            <a:pPr lvl="1"/>
+            <a:r>
+              <a:rPr lang="en-US" dirty="0" smtClean="0"/>
+              <a:t>Requests – allows the Spark streaming context make REST calls to the Twitter API</a:t>
+            </a:r>
+          </a:p>
+          <a:p>
+            <a:r>
+              <a:rPr lang="en-US" dirty="0" smtClean="0"/>
+              <a:t>Setup Spark streaming context that makes get requests using the above setup</a:t>
+            </a:r>
+          </a:p>
+          <a:p>
+            <a:pPr lvl="1"/>
+            <a:r>
+              <a:rPr lang="en-US" dirty="0" smtClean="0"/>
+              <a:t>Can specify search term (e.g. ‘Trump’) and get Tweets containing that term</a:t>
+            </a:r>
+          </a:p>
+          <a:p>
+            <a:pPr lvl="1"/>
+            <a:r>
+              <a:rPr lang="en-US" dirty="0" smtClean="0"/>
+              <a:t>Can specify the batch interval for which to make requests (e.g. 30 seconds)</a:t>
+            </a:r>
+          </a:p>
+          <a:p>
+            <a:pPr lvl="1"/>
+            <a:endParaRPr lang="en-US" dirty="0" smtClean="0"/>
+          </a:p>
+        </p:txBody>
+      </p:sp>
+      <p:sp>
+        <p:nvSpPr>
+          <p:cNvPr id="4100" name="Footer Placeholder 3"/>
+          <p:cNvSpPr>
+            <a:spLocks noGrp="1"/>
+          </p:cNvSpPr>
+          <p:nvPr>
+            <p:ph type="ftr" sz="quarter" idx="11"/>
+          </p:nvPr>
+        </p:nvSpPr>
+        <p:spPr bwMode="auto">
+          <a:noFill/>
+          <a:extLst>
+            <a:ext uri="{909E8E84-426E-40DD-AFC4-6F175D3DCCD1}">
+              <a14:hiddenFill xmlns:a14="http://schemas.microsoft.com/office/drawing/2010/main">
+                <a:solidFill>
+                  <a:srgbClr val="FFFFFF"/>
+                </a:solidFill>
+              </a14:hiddenFill>
+            </a:ext>
+            <a:ext uri="{91240B29-F687-4F45-9708-019B960494DF}">
+              <a14:hiddenLine xmlns:a14="http://schemas.microsoft.com/office/drawing/2010/main" w="9525">
+                <a:solidFill>
+                  <a:srgbClr val="000000"/>
+                </a:solidFill>
+                <a:miter lim="800000"/>
+                <a:headEnd/>
+                <a:tailEnd/>
+              </a14:hiddenLine>
+            </a:ext>
+          </a:extLst>
+        </p:spPr>
+        <p:txBody>
+          <a:bodyPr/>
+          <a:lstStyle>
+            <a:lvl1pPr eaLnBrk="0" hangingPunct="0">
+              <a:spcBef>
+                <a:spcPct val="20000"/>
+              </a:spcBef>
+              <a:buClr>
+                <a:schemeClr val="hlink"/>
+              </a:buClr>
+              <a:buFont typeface="Wingdings" pitchFamily="2" charset="2"/>
+              <a:buChar char="§"/>
+              <a:defRPr sz="2800">
+                <a:solidFill>
+                  <a:schemeClr val="tx1"/>
+                </a:solidFill>
+                <a:latin typeface="Calibri" pitchFamily="34" charset="0"/>
+              </a:defRPr>
+            </a:lvl1pPr>
+            <a:lvl2pPr marL="742950" indent="-285750" eaLnBrk="0" hangingPunct="0">
+              <a:spcBef>
+                <a:spcPct val="20000"/>
+              </a:spcBef>
+              <a:buClr>
+                <a:srgbClr val="FF0000"/>
+              </a:buClr>
+              <a:buFont typeface="Wingdings" pitchFamily="2" charset="2"/>
+              <a:buChar char="§"/>
+              <a:defRPr sz="2400">
+                <a:solidFill>
+                  <a:schemeClr val="tx1"/>
+                </a:solidFill>
+                <a:latin typeface="Calibri" pitchFamily="34" charset="0"/>
+              </a:defRPr>
+            </a:lvl2pPr>
+            <a:lvl3pPr marL="1143000" indent="-228600" eaLnBrk="0" hangingPunct="0">
+              <a:spcBef>
+                <a:spcPct val="20000"/>
+              </a:spcBef>
+              <a:buClr>
+                <a:srgbClr val="00CC00"/>
+              </a:buClr>
+              <a:buFont typeface="Wingdings" pitchFamily="2" charset="2"/>
+              <a:buChar char="§"/>
+              <a:defRPr sz="2000">
+                <a:solidFill>
+                  <a:schemeClr val="tx1"/>
+                </a:solidFill>
+                <a:latin typeface="Calibri" pitchFamily="34" charset="0"/>
+              </a:defRPr>
+            </a:lvl3pPr>
+            <a:lvl4pPr marL="1600200" indent="-228600" eaLnBrk="0" hangingPunct="0">
+              <a:spcBef>
+                <a:spcPct val="20000"/>
+              </a:spcBef>
+              <a:buFont typeface="Arial" charset="0"/>
+              <a:buChar char="–"/>
+              <a:defRPr sz="2000">
+                <a:solidFill>
+                  <a:schemeClr val="tx1"/>
+                </a:solidFill>
+                <a:latin typeface="Calibri" pitchFamily="34" charset="0"/>
+              </a:defRPr>
+            </a:lvl4pPr>
+            <a:lvl5pPr marL="2057400" indent="-228600" eaLnBrk="0" hangingPunct="0">
+              <a:spcBef>
+                <a:spcPct val="20000"/>
+              </a:spcBef>
+              <a:buFont typeface="Arial" charset="0"/>
+              <a:buChar char="»"/>
+              <a:defRPr sz="2000">
+                <a:solidFill>
+                  <a:schemeClr val="tx1"/>
+                </a:solidFill>
+                <a:latin typeface="Calibri" pitchFamily="34" charset="0"/>
+              </a:defRPr>
+            </a:lvl5pPr>
+            <a:lvl6pPr marL="2514600" indent="-228600" eaLnBrk="0" fontAlgn="base" hangingPunct="0">
+              <a:spcBef>
+                <a:spcPct val="20000"/>
+              </a:spcBef>
+              <a:spcAft>
+                <a:spcPct val="0"/>
+              </a:spcAft>
+              <a:buFont typeface="Arial" charset="0"/>
+              <a:buChar char="»"/>
+              <a:defRPr sz="2000">
+                <a:solidFill>
+                  <a:schemeClr val="tx1"/>
+                </a:solidFill>
+                <a:latin typeface="Calibri" pitchFamily="34" charset="0"/>
+              </a:defRPr>
+            </a:lvl6pPr>
+            <a:lvl7pPr marL="2971800" indent="-228600" eaLnBrk="0" fontAlgn="base" hangingPunct="0">
+              <a:spcBef>
+                <a:spcPct val="20000"/>
+              </a:spcBef>
+              <a:spcAft>
+                <a:spcPct val="0"/>
+              </a:spcAft>
+              <a:buFont typeface="Arial" charset="0"/>
+              <a:buChar char="»"/>
+              <a:defRPr sz="2000">
+                <a:solidFill>
+                  <a:schemeClr val="tx1"/>
+                </a:solidFill>
+                <a:latin typeface="Calibri" pitchFamily="34" charset="0"/>
+              </a:defRPr>
+            </a:lvl7pPr>
+            <a:lvl8pPr marL="3429000" indent="-228600" eaLnBrk="0" fontAlgn="base" hangingPunct="0">
+              <a:spcBef>
+                <a:spcPct val="20000"/>
+              </a:spcBef>
+              <a:spcAft>
+                <a:spcPct val="0"/>
+              </a:spcAft>
+              <a:buFont typeface="Arial" charset="0"/>
+              <a:buChar char="»"/>
+              <a:defRPr sz="2000">
+                <a:solidFill>
+                  <a:schemeClr val="tx1"/>
+                </a:solidFill>
+                <a:latin typeface="Calibri" pitchFamily="34" charset="0"/>
+              </a:defRPr>
+            </a:lvl8pPr>
+            <a:lvl9pPr marL="3886200" indent="-228600" eaLnBrk="0" fontAlgn="base" hangingPunct="0">
+              <a:spcBef>
+                <a:spcPct val="20000"/>
+              </a:spcBef>
+              <a:spcAft>
+                <a:spcPct val="0"/>
+              </a:spcAft>
+              <a:buFont typeface="Arial" charset="0"/>
+              <a:buChar char="»"/>
+              <a:defRPr sz="2000">
+                <a:solidFill>
+                  <a:schemeClr val="tx1"/>
+                </a:solidFill>
+                <a:latin typeface="Calibri" pitchFamily="34" charset="0"/>
+              </a:defRPr>
+            </a:lvl9pPr>
+          </a:lstStyle>
+          <a:p>
+            <a:pPr eaLnBrk="1" hangingPunct="1">
+              <a:spcBef>
+                <a:spcPct val="0"/>
+              </a:spcBef>
+              <a:buClrTx/>
+              <a:buFontTx/>
+              <a:buNone/>
+            </a:pPr>
+            <a:r>
+              <a:rPr lang="en-US" altLang="en-US" sz="1200" dirty="0" smtClean="0">
+                <a:solidFill>
+                  <a:srgbClr val="898989"/>
+                </a:solidFill>
+              </a:rPr>
+              <a:t>Luke Walsh</a:t>
+            </a:r>
+            <a:endParaRPr lang="en-US" altLang="en-US" sz="1200" dirty="0" smtClean="0">
+              <a:solidFill>
+                <a:srgbClr val="898989"/>
+              </a:solidFill>
+            </a:endParaRPr>
+          </a:p>
+        </p:txBody>
+      </p:sp>
+      <p:sp>
+        <p:nvSpPr>
+          <p:cNvPr id="5" name="Slide Number Placeholder 4"/>
+          <p:cNvSpPr>
+            <a:spLocks noGrp="1"/>
+          </p:cNvSpPr>
+          <p:nvPr>
+            <p:ph type="sldNum" sz="quarter" idx="12"/>
+          </p:nvPr>
+        </p:nvSpPr>
+        <p:spPr/>
+        <p:txBody>
+          <a:bodyPr/>
+          <a:lstStyle/>
+          <a:p>
+            <a:pPr>
+              <a:defRPr/>
+            </a:pPr>
+            <a:fld id="{76E1BF35-675D-491F-A687-B2C9BE79DFC7}" type="slidenum">
+              <a:rPr lang="en-US" smtClean="0"/>
+              <a:pPr>
+                <a:defRPr/>
+              </a:pPr>
+              <a:t>8</a:t>
+            </a:fld>
+            <a:endParaRPr lang="en-US" dirty="0"/>
+          </a:p>
+        </p:txBody>
+      </p:sp>
+    </p:spTree>
+    <p:extLst>
+      <p:ext uri="{BB962C8B-B14F-4D97-AF65-F5344CB8AC3E}">
+        <p14:creationId xmlns:p14="http://schemas.microsoft.com/office/powerpoint/2010/main" val="1826290184"/>
+      </p:ext>
+    </p:extLst>
+  </p:cSld>
+  <p:clrMapOvr>
+    <a:masterClrMapping/>
+  </p:clrMapOvr>
+</p:sld>
+</file>
+
+<file path=ppt/slides/slide9.xml><?xml version="1.0" encoding="utf-8"?>
+<p:sld xmlns:a="http://schemas.openxmlformats.org/drawingml/2006/main" xmlns:r="http://schemas.openxmlformats.org/officeDocument/2006/relationships" xmlns:p="http://schemas.openxmlformats.org/presentationml/2006/main">
+  <p:cSld>
+    <p:spTree>
+      <p:nvGrpSpPr>
+        <p:cNvPr id="1" name=""/>
+        <p:cNvGrpSpPr/>
+        <p:nvPr/>
+      </p:nvGrpSpPr>
+      <p:grpSpPr>
+        <a:xfrm>
+          <a:off x="0" y="0"/>
+          <a:ext cx="0" cy="0"/>
+          <a:chOff x="0" y="0"/>
+          <a:chExt cx="0" cy="0"/>
+        </a:xfrm>
+      </p:grpSpPr>
+      <p:sp>
+        <p:nvSpPr>
+          <p:cNvPr id="6" name="Title 5"/>
+          <p:cNvSpPr>
+            <a:spLocks noGrp="1"/>
+          </p:cNvSpPr>
+          <p:nvPr>
+            <p:ph type="title"/>
+          </p:nvPr>
+        </p:nvSpPr>
+        <p:spPr/>
+        <p:txBody>
+          <a:bodyPr>
+            <a:normAutofit/>
+          </a:bodyPr>
+          <a:lstStyle/>
+          <a:p>
+            <a:pPr marL="457200" lvl="1"/>
+            <a:r>
+              <a:rPr lang="en-US" sz="3200" kern="1200" dirty="0">
+                <a:solidFill>
+                  <a:srgbClr val="0070C0"/>
+                </a:solidFill>
+                <a:latin typeface="+mj-lt"/>
+                <a:ea typeface="+mj-ea"/>
+                <a:cs typeface="+mj-cs"/>
+              </a:rPr>
+              <a:t>3</a:t>
+            </a:r>
+            <a:r>
+              <a:rPr lang="en-US" sz="3200" kern="1200" dirty="0" smtClean="0">
+                <a:solidFill>
+                  <a:srgbClr val="0070C0"/>
+                </a:solidFill>
+                <a:latin typeface="+mj-lt"/>
+                <a:ea typeface="+mj-ea"/>
+                <a:cs typeface="+mj-cs"/>
+              </a:rPr>
+              <a:t>. Start Streaming and Classify!</a:t>
+            </a:r>
+            <a:endParaRPr lang="en-US" sz="3200" kern="1200" dirty="0">
+              <a:solidFill>
+                <a:srgbClr val="0070C0"/>
+              </a:solidFill>
+              <a:latin typeface="+mj-lt"/>
+              <a:ea typeface="+mj-ea"/>
+              <a:cs typeface="+mj-cs"/>
+            </a:endParaRPr>
+          </a:p>
+        </p:txBody>
+      </p:sp>
+      <p:sp>
+        <p:nvSpPr>
+          <p:cNvPr id="7" name="Content Placeholder 6"/>
+          <p:cNvSpPr>
+            <a:spLocks noGrp="1"/>
+          </p:cNvSpPr>
+          <p:nvPr>
+            <p:ph idx="1"/>
+          </p:nvPr>
+        </p:nvSpPr>
+        <p:spPr/>
+        <p:txBody>
+          <a:bodyPr/>
+          <a:lstStyle/>
+          <a:p>
+            <a:r>
+              <a:rPr lang="en-US" dirty="0" smtClean="0"/>
+              <a:t>For each batch of Tweets that comes in, format the data to prepare to run through the classifier</a:t>
+            </a:r>
+            <a:endParaRPr lang="en-US" dirty="0"/>
+          </a:p>
+          <a:p>
+            <a:r>
+              <a:rPr lang="en-US" dirty="0" smtClean="0"/>
+              <a:t>Apply the Naïve Bayes model features to the tweets</a:t>
+            </a:r>
+          </a:p>
+          <a:p>
+            <a:r>
+              <a:rPr lang="en-US" dirty="0" smtClean="0"/>
+              <a:t>Classify Tweets and capture output:</a:t>
+            </a:r>
+          </a:p>
+          <a:p>
+            <a:pPr lvl="1"/>
+            <a:r>
+              <a:rPr lang="en-US" dirty="0" smtClean="0"/>
+              <a:t>In this case we’re just capturing number of positive/negative tweets per batch</a:t>
+            </a:r>
+          </a:p>
+        </p:txBody>
+      </p:sp>
+      <p:sp>
+        <p:nvSpPr>
+          <p:cNvPr id="4100" name="Footer Placeholder 3"/>
+          <p:cNvSpPr>
+            <a:spLocks noGrp="1"/>
+          </p:cNvSpPr>
+          <p:nvPr>
+            <p:ph type="ftr" sz="quarter" idx="11"/>
+          </p:nvPr>
+        </p:nvSpPr>
+        <p:spPr bwMode="auto">
+          <a:noFill/>
+          <a:extLst>
+            <a:ext uri="{909E8E84-426E-40DD-AFC4-6F175D3DCCD1}">
+              <a14:hiddenFill xmlns:a14="http://schemas.microsoft.com/office/drawing/2010/main">
+                <a:solidFill>
+                  <a:srgbClr val="FFFFFF"/>
+                </a:solidFill>
+              </a14:hiddenFill>
+            </a:ext>
+            <a:ext uri="{91240B29-F687-4F45-9708-019B960494DF}">
+              <a14:hiddenLine xmlns:a14="http://schemas.microsoft.com/office/drawing/2010/main" w="9525">
+                <a:solidFill>
+                  <a:srgbClr val="000000"/>
+                </a:solidFill>
+                <a:miter lim="800000"/>
+                <a:headEnd/>
+                <a:tailEnd/>
+              </a14:hiddenLine>
+            </a:ext>
+          </a:extLst>
+        </p:spPr>
+        <p:txBody>
+          <a:bodyPr/>
+          <a:lstStyle>
+            <a:lvl1pPr eaLnBrk="0" hangingPunct="0">
+              <a:spcBef>
+                <a:spcPct val="20000"/>
+              </a:spcBef>
+              <a:buClr>
+                <a:schemeClr val="hlink"/>
+              </a:buClr>
+              <a:buFont typeface="Wingdings" pitchFamily="2" charset="2"/>
+              <a:buChar char="§"/>
+              <a:defRPr sz="2800">
+                <a:solidFill>
+                  <a:schemeClr val="tx1"/>
+                </a:solidFill>
+                <a:latin typeface="Calibri" pitchFamily="34" charset="0"/>
+              </a:defRPr>
+            </a:lvl1pPr>
+            <a:lvl2pPr marL="742950" indent="-285750" eaLnBrk="0" hangingPunct="0">
+              <a:spcBef>
+                <a:spcPct val="20000"/>
+              </a:spcBef>
+              <a:buClr>
+                <a:srgbClr val="FF0000"/>
+              </a:buClr>
+              <a:buFont typeface="Wingdings" pitchFamily="2" charset="2"/>
+              <a:buChar char="§"/>
+              <a:defRPr sz="2400">
+                <a:solidFill>
+                  <a:schemeClr val="tx1"/>
+                </a:solidFill>
+                <a:latin typeface="Calibri" pitchFamily="34" charset="0"/>
+              </a:defRPr>
+            </a:lvl2pPr>
+            <a:lvl3pPr marL="1143000" indent="-228600" eaLnBrk="0" hangingPunct="0">
+              <a:spcBef>
+                <a:spcPct val="20000"/>
+              </a:spcBef>
+              <a:buClr>
+                <a:srgbClr val="00CC00"/>
+              </a:buClr>
+              <a:buFont typeface="Wingdings" pitchFamily="2" charset="2"/>
+              <a:buChar char="§"/>
+              <a:defRPr sz="2000">
+                <a:solidFill>
+                  <a:schemeClr val="tx1"/>
+                </a:solidFill>
+                <a:latin typeface="Calibri" pitchFamily="34" charset="0"/>
+              </a:defRPr>
+            </a:lvl3pPr>
+            <a:lvl4pPr marL="1600200" indent="-228600" eaLnBrk="0" hangingPunct="0">
+              <a:spcBef>
+                <a:spcPct val="20000"/>
+              </a:spcBef>
+              <a:buFont typeface="Arial" charset="0"/>
+              <a:buChar char="–"/>
+              <a:defRPr sz="2000">
+                <a:solidFill>
+                  <a:schemeClr val="tx1"/>
+                </a:solidFill>
+                <a:latin typeface="Calibri" pitchFamily="34" charset="0"/>
+              </a:defRPr>
+            </a:lvl4pPr>
+            <a:lvl5pPr marL="2057400" indent="-228600" eaLnBrk="0" hangingPunct="0">
+              <a:spcBef>
+                <a:spcPct val="20000"/>
+              </a:spcBef>
+              <a:buFont typeface="Arial" charset="0"/>
+              <a:buChar char="»"/>
+              <a:defRPr sz="2000">
+                <a:solidFill>
+                  <a:schemeClr val="tx1"/>
+                </a:solidFill>
+                <a:latin typeface="Calibri" pitchFamily="34" charset="0"/>
+              </a:defRPr>
+            </a:lvl5pPr>
+            <a:lvl6pPr marL="2514600" indent="-228600" eaLnBrk="0" fontAlgn="base" hangingPunct="0">
+              <a:spcBef>
+                <a:spcPct val="20000"/>
+              </a:spcBef>
+              <a:spcAft>
+                <a:spcPct val="0"/>
+              </a:spcAft>
+              <a:buFont typeface="Arial" charset="0"/>
+              <a:buChar char="»"/>
+              <a:defRPr sz="2000">
+                <a:solidFill>
+                  <a:schemeClr val="tx1"/>
+                </a:solidFill>
+                <a:latin typeface="Calibri" pitchFamily="34" charset="0"/>
+              </a:defRPr>
+            </a:lvl6pPr>
+            <a:lvl7pPr marL="2971800" indent="-228600" eaLnBrk="0" fontAlgn="base" hangingPunct="0">
+              <a:spcBef>
+                <a:spcPct val="20000"/>
+              </a:spcBef>
+              <a:spcAft>
+                <a:spcPct val="0"/>
+              </a:spcAft>
+              <a:buFont typeface="Arial" charset="0"/>
+              <a:buChar char="»"/>
+              <a:defRPr sz="2000">
+                <a:solidFill>
+                  <a:schemeClr val="tx1"/>
+                </a:solidFill>
+                <a:latin typeface="Calibri" pitchFamily="34" charset="0"/>
+              </a:defRPr>
+            </a:lvl7pPr>
+            <a:lvl8pPr marL="3429000" indent="-228600" eaLnBrk="0" fontAlgn="base" hangingPunct="0">
+              <a:spcBef>
+                <a:spcPct val="20000"/>
+              </a:spcBef>
+              <a:spcAft>
+                <a:spcPct val="0"/>
+              </a:spcAft>
+              <a:buFont typeface="Arial" charset="0"/>
+              <a:buChar char="»"/>
+              <a:defRPr sz="2000">
+                <a:solidFill>
+                  <a:schemeClr val="tx1"/>
+                </a:solidFill>
+                <a:latin typeface="Calibri" pitchFamily="34" charset="0"/>
+              </a:defRPr>
+            </a:lvl8pPr>
+            <a:lvl9pPr marL="3886200" indent="-228600" eaLnBrk="0" fontAlgn="base" hangingPunct="0">
+              <a:spcBef>
+                <a:spcPct val="20000"/>
+              </a:spcBef>
+              <a:spcAft>
+                <a:spcPct val="0"/>
+              </a:spcAft>
+              <a:buFont typeface="Arial" charset="0"/>
+              <a:buChar char="»"/>
+              <a:defRPr sz="2000">
+                <a:solidFill>
+                  <a:schemeClr val="tx1"/>
+                </a:solidFill>
+                <a:latin typeface="Calibri" pitchFamily="34" charset="0"/>
+              </a:defRPr>
+            </a:lvl9pPr>
+          </a:lstStyle>
+          <a:p>
+            <a:pPr eaLnBrk="1" hangingPunct="1">
+              <a:spcBef>
+                <a:spcPct val="0"/>
+              </a:spcBef>
+              <a:buClrTx/>
+              <a:buFontTx/>
+              <a:buNone/>
+            </a:pPr>
+            <a:r>
+              <a:rPr lang="en-US" altLang="en-US" sz="1200" dirty="0" smtClean="0">
+                <a:solidFill>
+                  <a:srgbClr val="898989"/>
+                </a:solidFill>
+              </a:rPr>
+              <a:t>Luke Walsh</a:t>
+            </a:r>
+            <a:endParaRPr lang="en-US" altLang="en-US" sz="1200" dirty="0" smtClean="0">
+              <a:solidFill>
+                <a:srgbClr val="898989"/>
+              </a:solidFill>
+            </a:endParaRPr>
+          </a:p>
+        </p:txBody>
+      </p:sp>
+      <p:sp>
+        <p:nvSpPr>
+          <p:cNvPr id="5" name="Slide Number Placeholder 4"/>
+          <p:cNvSpPr>
+            <a:spLocks noGrp="1"/>
+          </p:cNvSpPr>
+          <p:nvPr>
+            <p:ph type="sldNum" sz="quarter" idx="12"/>
+          </p:nvPr>
+        </p:nvSpPr>
+        <p:spPr/>
+        <p:txBody>
+          <a:bodyPr/>
+          <a:lstStyle/>
+          <a:p>
+            <a:pPr>
+              <a:defRPr/>
+            </a:pPr>
+            <a:fld id="{76E1BF35-675D-491F-A687-B2C9BE79DFC7}" type="slidenum">
+              <a:rPr lang="en-US" smtClean="0"/>
+              <a:pPr>
+                <a:defRPr/>
+              </a:pPr>
+              <a:t>9</a:t>
+            </a:fld>
+            <a:endParaRPr lang="en-US" dirty="0"/>
+          </a:p>
+        </p:txBody>
+      </p:sp>
+    </p:spTree>
+    <p:extLst>
+      <p:ext uri="{BB962C8B-B14F-4D97-AF65-F5344CB8AC3E}">
+        <p14:creationId xmlns:p14="http://schemas.microsoft.com/office/powerpoint/2010/main" val="1758214690"/>
+      </p:ext>
+    </p:extLst>
   </p:cSld>
   <p:clrMapOvr>
     <a:masterClrMapping/>
